--- a/Ivan Vodich.pptx
+++ b/Ivan Vodich.pptx
@@ -460,94 +460,94 @@
                 <c:formatCode>General</c:formatCode>
                 <c:ptCount val="30"/>
                 <c:pt idx="0">
-                  <c:v>11.406149869906006</c:v>
+                  <c:v>11.406149869906008</c:v>
                 </c:pt>
                 <c:pt idx="1">
-                  <c:v>17.778372092128183</c:v>
+                  <c:v>17.77837209212818</c:v>
                 </c:pt>
                 <c:pt idx="2">
                   <c:v>23.411111111111101</c:v>
                 </c:pt>
                 <c:pt idx="3">
-                  <c:v>22.671627907871791</c:v>
+                  <c:v>22.671627907871787</c:v>
                 </c:pt>
                 <c:pt idx="4">
                   <c:v>16.2994056856495</c:v>
                 </c:pt>
                 <c:pt idx="5">
-                  <c:v>10.666666666666705</c:v>
+                  <c:v>10.666666666666707</c:v>
                 </c:pt>
                 <c:pt idx="6">
-                  <c:v>11.406149869906006</c:v>
+                  <c:v>11.406149869906008</c:v>
                 </c:pt>
                 <c:pt idx="7">
-                  <c:v>17.778372092128183</c:v>
+                  <c:v>17.77837209212818</c:v>
                 </c:pt>
                 <c:pt idx="8">
                   <c:v>23.411111111111101</c:v>
                 </c:pt>
                 <c:pt idx="9">
-                  <c:v>22.671627907871791</c:v>
+                  <c:v>22.671627907871787</c:v>
                 </c:pt>
                 <c:pt idx="10">
                   <c:v>16.2994056856495</c:v>
                 </c:pt>
                 <c:pt idx="11">
-                  <c:v>10.666666666666705</c:v>
+                  <c:v>10.666666666666707</c:v>
                 </c:pt>
                 <c:pt idx="12">
-                  <c:v>11.406149869906006</c:v>
+                  <c:v>11.406149869906008</c:v>
                 </c:pt>
                 <c:pt idx="13">
-                  <c:v>17.778372092128183</c:v>
+                  <c:v>17.77837209212818</c:v>
                 </c:pt>
                 <c:pt idx="14">
                   <c:v>23.411111111111101</c:v>
                 </c:pt>
                 <c:pt idx="15">
-                  <c:v>22.671627907871791</c:v>
+                  <c:v>22.671627907871787</c:v>
                 </c:pt>
                 <c:pt idx="16">
                   <c:v>16.2994056856495</c:v>
                 </c:pt>
                 <c:pt idx="17">
-                  <c:v>10.666666666666705</c:v>
+                  <c:v>10.666666666666707</c:v>
                 </c:pt>
                 <c:pt idx="18">
-                  <c:v>11.406149869906006</c:v>
+                  <c:v>11.406149869906008</c:v>
                 </c:pt>
                 <c:pt idx="19">
-                  <c:v>17.778372092128183</c:v>
+                  <c:v>17.77837209212818</c:v>
                 </c:pt>
                 <c:pt idx="20">
                   <c:v>23.411111111111101</c:v>
                 </c:pt>
                 <c:pt idx="21">
-                  <c:v>22.671627907871791</c:v>
+                  <c:v>22.671627907871787</c:v>
                 </c:pt>
                 <c:pt idx="22">
                   <c:v>16.2994056856495</c:v>
                 </c:pt>
                 <c:pt idx="23">
-                  <c:v>10.666666666666705</c:v>
+                  <c:v>10.666666666666707</c:v>
                 </c:pt>
                 <c:pt idx="24">
-                  <c:v>11.406149869906006</c:v>
+                  <c:v>11.406149869906008</c:v>
                 </c:pt>
                 <c:pt idx="25">
-                  <c:v>17.778372092128183</c:v>
+                  <c:v>17.77837209212818</c:v>
                 </c:pt>
                 <c:pt idx="26">
                   <c:v>23.411111111111101</c:v>
                 </c:pt>
                 <c:pt idx="27">
-                  <c:v>22.671627907871791</c:v>
+                  <c:v>22.671627907871787</c:v>
                 </c:pt>
                 <c:pt idx="28">
                   <c:v>16.299405685649599</c:v>
                 </c:pt>
                 <c:pt idx="29">
-                  <c:v>10.666666666666705</c:v>
+                  <c:v>10.666666666666707</c:v>
                 </c:pt>
               </c:numCache>
             </c:numRef>
@@ -678,7 +678,7 @@
                 <c:formatCode>General</c:formatCode>
                 <c:ptCount val="30"/>
                 <c:pt idx="0">
-                  <c:v>2.8938501300939778</c:v>
+                  <c:v>2.8938501300939774</c:v>
                 </c:pt>
                 <c:pt idx="1">
                   <c:v>0.92162790787175897</c:v>
@@ -687,13 +687,13 @@
                   <c:v>-1.61111111111112</c:v>
                 </c:pt>
                 <c:pt idx="3">
-                  <c:v>-1.7716279078717707</c:v>
+                  <c:v>-1.7716279078717709</c:v>
                 </c:pt>
                 <c:pt idx="4">
-                  <c:v>-3.9994056856495379</c:v>
+                  <c:v>-3.9994056856495375</c:v>
                 </c:pt>
                 <c:pt idx="5">
-                  <c:v>-0.6666666666666643</c:v>
+                  <c:v>-0.66666666666666441</c:v>
                 </c:pt>
                 <c:pt idx="6">
                   <c:v>4.0938501300939798</c:v>
@@ -705,34 +705,34 @@
                   <c:v>-1.51111111111112</c:v>
                 </c:pt>
                 <c:pt idx="9">
-                  <c:v>-4.5716279078717728</c:v>
+                  <c:v>-4.5716279078717736</c:v>
                 </c:pt>
                 <c:pt idx="10">
-                  <c:v>0.40059431435046716</c:v>
+                  <c:v>0.40059431435046722</c:v>
                 </c:pt>
                 <c:pt idx="11">
                   <c:v>-6.06666666666667</c:v>
                 </c:pt>
                 <c:pt idx="12">
-                  <c:v>2.0938501300939882</c:v>
+                  <c:v>2.0938501300939873</c:v>
                 </c:pt>
                 <c:pt idx="13">
-                  <c:v>-0.3783720921282534</c:v>
+                  <c:v>-0.37837209212825351</c:v>
                 </c:pt>
                 <c:pt idx="14">
-                  <c:v>0.88888888888888262</c:v>
+                  <c:v>0.88888888888888273</c:v>
                 </c:pt>
                 <c:pt idx="15">
-                  <c:v>2.8283720921282289</c:v>
+                  <c:v>2.8283720921282285</c:v>
                 </c:pt>
                 <c:pt idx="16">
-                  <c:v>-3.1994056856495385</c:v>
+                  <c:v>-3.1994056856495381</c:v>
                 </c:pt>
                 <c:pt idx="17">
                   <c:v>-1.2666666666666699</c:v>
                 </c:pt>
                 <c:pt idx="18">
-                  <c:v>2.5938501300939882</c:v>
+                  <c:v>2.5938501300939873</c:v>
                 </c:pt>
                 <c:pt idx="19">
                   <c:v>3.2216279078717802</c:v>
@@ -744,13 +744,13 @@
                   <c:v>-1.8716279078717601</c:v>
                 </c:pt>
                 <c:pt idx="22">
-                  <c:v>-2.2994056856495386</c:v>
+                  <c:v>-2.2994056856495382</c:v>
                 </c:pt>
                 <c:pt idx="23">
                   <c:v>-4.4666666666666703</c:v>
                 </c:pt>
                 <c:pt idx="24">
-                  <c:v>3.1938501300939883</c:v>
+                  <c:v>3.1938501300939879</c:v>
                 </c:pt>
                 <c:pt idx="25">
                   <c:v>-1.8783720921282201</c:v>
@@ -779,11 +779,11 @@
           </c:spPr>
         </c:hiLowLines>
         <c:marker val="1"/>
-        <c:axId val="90295680"/>
-        <c:axId val="91370624"/>
+        <c:axId val="79932800"/>
+        <c:axId val="80012416"/>
       </c:lineChart>
       <c:catAx>
-        <c:axId val="90295680"/>
+        <c:axId val="79932800"/>
         <c:scaling>
           <c:orientation val="minMax"/>
         </c:scaling>
@@ -818,14 +818,14 @@
             <a:endParaRPr lang="en-US"/>
           </a:p>
         </c:txPr>
-        <c:crossAx val="91370624"/>
+        <c:crossAx val="80012416"/>
         <c:crosses val="autoZero"/>
         <c:auto val="1"/>
         <c:lblAlgn val="ctr"/>
         <c:lblOffset val="100"/>
       </c:catAx>
       <c:valAx>
-        <c:axId val="91370624"/>
+        <c:axId val="80012416"/>
         <c:scaling>
           <c:orientation val="minMax"/>
         </c:scaling>
@@ -870,7 +870,7 @@
             <a:endParaRPr lang="en-US"/>
           </a:p>
         </c:txPr>
-        <c:crossAx val="90295680"/>
+        <c:crossAx val="79932800"/>
         <c:crosses val="autoZero"/>
         <c:crossBetween val="midCat"/>
       </c:valAx>
@@ -1022,94 +1022,94 @@
                 <c:formatCode>General</c:formatCode>
                 <c:ptCount val="30"/>
                 <c:pt idx="0">
-                  <c:v>13.908790515961121</c:v>
+                  <c:v>13.908790515961122</c:v>
                 </c:pt>
                 <c:pt idx="1">
-                  <c:v>18.047012738183334</c:v>
+                  <c:v>18.047012738183327</c:v>
                 </c:pt>
                 <c:pt idx="2">
-                  <c:v>21.17711111111112</c:v>
+                  <c:v>21.177111111111124</c:v>
                 </c:pt>
                 <c:pt idx="3">
-                  <c:v>20.168987261816667</c:v>
+                  <c:v>20.168987261816671</c:v>
                 </c:pt>
                 <c:pt idx="4">
-                  <c:v>16.030765039594446</c:v>
+                  <c:v>16.030765039594449</c:v>
                 </c:pt>
                 <c:pt idx="5">
-                  <c:v>12.900666666666666</c:v>
+                  <c:v>12.900666666666668</c:v>
                 </c:pt>
                 <c:pt idx="6">
-                  <c:v>13.908790515961121</c:v>
+                  <c:v>13.908790515961122</c:v>
                 </c:pt>
                 <c:pt idx="7">
-                  <c:v>18.047012738183337</c:v>
+                  <c:v>18.04701273818333</c:v>
                 </c:pt>
                 <c:pt idx="8">
-                  <c:v>21.17711111111112</c:v>
+                  <c:v>21.177111111111124</c:v>
                 </c:pt>
                 <c:pt idx="9">
-                  <c:v>20.168987261816667</c:v>
+                  <c:v>20.168987261816671</c:v>
                 </c:pt>
                 <c:pt idx="10">
                   <c:v>16.030765039594431</c:v>
                 </c:pt>
                 <c:pt idx="11">
-                  <c:v>12.900666666666668</c:v>
+                  <c:v>12.900666666666671</c:v>
                 </c:pt>
                 <c:pt idx="12">
-                  <c:v>13.908790515961117</c:v>
+                  <c:v>13.908790515961119</c:v>
                 </c:pt>
                 <c:pt idx="13">
-                  <c:v>18.047012738183344</c:v>
+                  <c:v>18.047012738183337</c:v>
                 </c:pt>
                 <c:pt idx="14">
-                  <c:v>21.17711111111112</c:v>
+                  <c:v>21.177111111111124</c:v>
                 </c:pt>
                 <c:pt idx="15">
-                  <c:v>20.168987261816671</c:v>
+                  <c:v>20.168987261816675</c:v>
                 </c:pt>
                 <c:pt idx="16">
                   <c:v>16.030765039594435</c:v>
                 </c:pt>
                 <c:pt idx="17">
-                  <c:v>12.900666666666666</c:v>
+                  <c:v>12.900666666666668</c:v>
                 </c:pt>
                 <c:pt idx="18">
+                  <c:v>13.908790515961119</c:v>
+                </c:pt>
+                <c:pt idx="19">
+                  <c:v>18.047012738183323</c:v>
+                </c:pt>
+                <c:pt idx="20">
+                  <c:v>21.177111111111124</c:v>
+                </c:pt>
+                <c:pt idx="21">
+                  <c:v>20.168987261816667</c:v>
+                </c:pt>
+                <c:pt idx="22">
+                  <c:v>16.030765039594446</c:v>
+                </c:pt>
+                <c:pt idx="23">
+                  <c:v>12.900666666666671</c:v>
+                </c:pt>
+                <c:pt idx="24">
                   <c:v>13.908790515961117</c:v>
                 </c:pt>
-                <c:pt idx="19">
-                  <c:v>18.047012738183327</c:v>
-                </c:pt>
-                <c:pt idx="20">
-                  <c:v>21.17711111111112</c:v>
-                </c:pt>
-                <c:pt idx="21">
-                  <c:v>20.168987261816664</c:v>
-                </c:pt>
-                <c:pt idx="22">
-                  <c:v>16.030765039594442</c:v>
-                </c:pt>
-                <c:pt idx="23">
-                  <c:v>12.900666666666668</c:v>
-                </c:pt>
-                <c:pt idx="24">
-                  <c:v>13.908790515961115</c:v>
-                </c:pt>
                 <c:pt idx="25">
-                  <c:v>18.047012738183327</c:v>
+                  <c:v>18.047012738183323</c:v>
                 </c:pt>
                 <c:pt idx="26">
-                  <c:v>21.17711111111112</c:v>
+                  <c:v>21.177111111111124</c:v>
                 </c:pt>
                 <c:pt idx="27">
-                  <c:v>20.168987261816664</c:v>
+                  <c:v>20.168987261816667</c:v>
                 </c:pt>
                 <c:pt idx="28">
-                  <c:v>16.030765039594456</c:v>
+                  <c:v>16.03076503959446</c:v>
                 </c:pt>
                 <c:pt idx="29">
-                  <c:v>12.900666666666668</c:v>
+                  <c:v>12.900666666666671</c:v>
                 </c:pt>
               </c:numCache>
             </c:numRef>
@@ -1125,19 +1125,19 @@
                 <c:formatCode>General</c:formatCode>
                 <c:ptCount val="30"/>
                 <c:pt idx="0">
-                  <c:v>0.39120948403888184</c:v>
+                  <c:v>0.39120948403888189</c:v>
                 </c:pt>
                 <c:pt idx="1">
                   <c:v>0.65298726181665856</c:v>
                 </c:pt>
                 <c:pt idx="2">
-                  <c:v>0.62288888888888405</c:v>
+                  <c:v>0.62288888888888416</c:v>
                 </c:pt>
                 <c:pt idx="3">
                   <c:v>0.73101273818333468</c:v>
                 </c:pt>
                 <c:pt idx="4">
-                  <c:v>-3.7307650395944409</c:v>
+                  <c:v>-3.7307650395944405</c:v>
                 </c:pt>
                 <c:pt idx="5">
                   <c:v>-2.9006666666666643</c:v>
@@ -1149,31 +1149,31 @@
                   <c:v>-2.347012738183345</c:v>
                 </c:pt>
                 <c:pt idx="8">
-                  <c:v>0.72288888888888192</c:v>
+                  <c:v>0.72288888888888203</c:v>
                 </c:pt>
                 <c:pt idx="9">
-                  <c:v>-2.0689872618166634</c:v>
+                  <c:v>-2.0689872618166643</c:v>
                 </c:pt>
                 <c:pt idx="10">
                   <c:v>0.66923496040556785</c:v>
                 </c:pt>
                 <c:pt idx="11">
-                  <c:v>-8.3006666666666682</c:v>
+                  <c:v>-8.3006666666666717</c:v>
                 </c:pt>
                 <c:pt idx="12">
-                  <c:v>-0.40879051596111532</c:v>
+                  <c:v>-0.40879051596111526</c:v>
                 </c:pt>
                 <c:pt idx="13">
                   <c:v>-0.64701273818335281</c:v>
                 </c:pt>
                 <c:pt idx="14">
-                  <c:v>3.1228888888888835</c:v>
+                  <c:v>3.1228888888888831</c:v>
                 </c:pt>
                 <c:pt idx="15">
                   <c:v>5.3310127381833334</c:v>
                 </c:pt>
                 <c:pt idx="16">
-                  <c:v>-2.9307650395944349</c:v>
+                  <c:v>-2.9307650395944345</c:v>
                 </c:pt>
                 <c:pt idx="17">
                   <c:v>-3.5006666666666639</c:v>
@@ -1182,61 +1182,61 @@
                   <c:v>9.1209484038884611E-2</c:v>
                 </c:pt>
                 <c:pt idx="19">
-                  <c:v>2.9529872618166668</c:v>
+                  <c:v>2.9529872618166673</c:v>
                 </c:pt>
                 <c:pt idx="20">
-                  <c:v>1.6228888888888842</c:v>
+                  <c:v>1.6228888888888844</c:v>
                 </c:pt>
                 <c:pt idx="21">
-                  <c:v>0.63101273818334047</c:v>
+                  <c:v>0.63101273818334058</c:v>
                 </c:pt>
                 <c:pt idx="22">
-                  <c:v>-2.0307650395944381</c:v>
+                  <c:v>-2.0307650395944377</c:v>
                 </c:pt>
                 <c:pt idx="23">
-                  <c:v>-6.7006666666666668</c:v>
+                  <c:v>-6.7006666666666677</c:v>
                 </c:pt>
                 <c:pt idx="24">
-                  <c:v>0.69120948403888616</c:v>
+                  <c:v>0.69120948403888638</c:v>
                 </c:pt>
                 <c:pt idx="25">
-                  <c:v>-2.1470127381833342</c:v>
+                  <c:v>-2.1470127381833346</c:v>
                 </c:pt>
                 <c:pt idx="26">
-                  <c:v>-0.97711111111111759</c:v>
+                  <c:v>-0.9771111111111177</c:v>
                 </c:pt>
                 <c:pt idx="27">
-                  <c:v>3.4310127381833406</c:v>
+                  <c:v>3.4310127381833402</c:v>
                 </c:pt>
                 <c:pt idx="28">
                   <c:v>1.0692349604055487</c:v>
                 </c:pt>
                 <c:pt idx="29">
-                  <c:v>0.39933333333333471</c:v>
+                  <c:v>0.39933333333333476</c:v>
                 </c:pt>
               </c:numCache>
             </c:numRef>
           </c:val>
         </c:ser>
         <c:marker val="1"/>
-        <c:axId val="91398528"/>
-        <c:axId val="91400064"/>
+        <c:axId val="81498496"/>
+        <c:axId val="81500032"/>
       </c:lineChart>
       <c:catAx>
-        <c:axId val="91398528"/>
+        <c:axId val="81498496"/>
         <c:scaling>
           <c:orientation val="minMax"/>
         </c:scaling>
         <c:axPos val="b"/>
         <c:tickLblPos val="nextTo"/>
-        <c:crossAx val="91400064"/>
+        <c:crossAx val="81500032"/>
         <c:crosses val="autoZero"/>
         <c:auto val="1"/>
         <c:lblAlgn val="ctr"/>
         <c:lblOffset val="100"/>
       </c:catAx>
       <c:valAx>
-        <c:axId val="91400064"/>
+        <c:axId val="81500032"/>
         <c:scaling>
           <c:orientation val="minMax"/>
         </c:scaling>
@@ -1244,7 +1244,7 @@
         <c:majorGridlines/>
         <c:numFmt formatCode="General" sourceLinked="1"/>
         <c:tickLblPos val="nextTo"/>
-        <c:crossAx val="91398528"/>
+        <c:crossAx val="81498496"/>
         <c:crosses val="autoZero"/>
         <c:crossBetween val="between"/>
       </c:valAx>
@@ -1338,7 +1338,8 @@
           <a:p>
             <a:fld id="{C1849D02-0674-415F-8D25-25E0E2E23F4C}" type="datetimeFigureOut">
               <a:rPr lang="en-US" smtClean="0"/>
-              <a:t>5/23/2017</a:t>
+              <a:pPr/>
+              <a:t>5/26/2017</a:t>
             </a:fld>
             <a:endParaRPr lang="en-US"/>
           </a:p>
@@ -1499,6 +1500,7 @@
           <a:p>
             <a:fld id="{5482F83E-882B-4775-9577-1BA1E17C6FBA}" type="slidenum">
               <a:rPr lang="en-US" smtClean="0"/>
+              <a:pPr/>
               <a:t>‹#›</a:t>
             </a:fld>
             <a:endParaRPr lang="en-US"/>
@@ -1670,6 +1672,7 @@
           <a:p>
             <a:fld id="{5482F83E-882B-4775-9577-1BA1E17C6FBA}" type="slidenum">
               <a:rPr lang="en-US" smtClean="0"/>
+              <a:pPr/>
               <a:t>1</a:t>
             </a:fld>
             <a:endParaRPr lang="en-US"/>
@@ -6418,18 +6421,7 @@
                 <a:ea typeface="Times New Roman" pitchFamily="18" charset="0"/>
                 <a:cs typeface="Times New Roman" pitchFamily="18" charset="0"/>
               </a:rPr>
-              <a:t> построенной модели. Гармонической моделью можно построить прогноз на длительный период </a:t>
-            </a:r>
-            <a:r>
-              <a:rPr lang="ru-RU" dirty="0" smtClean="0">
-                <a:solidFill>
-                  <a:srgbClr val="000000"/>
-                </a:solidFill>
-                <a:latin typeface="Arial" pitchFamily="34" charset="0"/>
-                <a:ea typeface="Times New Roman" pitchFamily="18" charset="0"/>
-                <a:cs typeface="Times New Roman" pitchFamily="18" charset="0"/>
-              </a:rPr>
-              <a:t>времени.</a:t>
+              <a:t> построенной модели. Гармонической моделью можно построить прогноз на длительный период времени.</a:t>
             </a:r>
             <a:endParaRPr lang="en-US" dirty="0" smtClean="0">
               <a:solidFill>
@@ -6674,47 +6666,6 @@
                 </a:uFill>
                 <a:latin typeface="Calibri"/>
               </a:rPr>
-              <a:t>Поставленная задача ― построить модель, которая описывает изменение температурного режима озера. </a:t>
-            </a:r>
-            <a:r>
-              <a:rPr lang="en-US" sz="1600" b="0" strike="noStrike" spc="-1" dirty="0" smtClean="0">
-                <a:solidFill>
-                  <a:srgbClr val="000000"/>
-                </a:solidFill>
-                <a:uFill>
-                  <a:solidFill>
-                    <a:srgbClr val="FFFFFF"/>
-                  </a:solidFill>
-                </a:uFill>
-                <a:latin typeface="Calibri"/>
-              </a:rPr>
-              <a:t/>
-            </a:r>
-            <a:br>
-              <a:rPr lang="en-US" sz="1600" b="0" strike="noStrike" spc="-1" dirty="0" smtClean="0">
-                <a:solidFill>
-                  <a:srgbClr val="000000"/>
-                </a:solidFill>
-                <a:uFill>
-                  <a:solidFill>
-                    <a:srgbClr val="FFFFFF"/>
-                  </a:solidFill>
-                </a:uFill>
-                <a:latin typeface="Calibri"/>
-              </a:rPr>
-            </a:br>
-            <a:r>
-              <a:rPr lang="ru-RU" sz="1600" b="0" strike="noStrike" spc="-1" dirty="0">
-                <a:solidFill>
-                  <a:srgbClr val="000000"/>
-                </a:solidFill>
-                <a:uFill>
-                  <a:solidFill>
-                    <a:srgbClr val="FFFFFF"/>
-                  </a:solidFill>
-                </a:uFill>
-                <a:latin typeface="Calibri"/>
-              </a:rPr>
               <a:t>
 </a:t>
             </a:r>
@@ -6939,10 +6890,10 @@
                 </a:uFill>
                 <a:latin typeface="Calibri"/>
               </a:rPr>
-              <a:t>центра </a:t>
-            </a:r>
-            <a:r>
-              <a:rPr lang="ru-RU" sz="1600" b="0" strike="noStrike" spc="-1" dirty="0" smtClean="0">
+              <a:t>центра "</a:t>
+            </a:r>
+            <a:r>
+              <a:rPr lang="ru-RU" sz="1600" b="0" strike="noStrike" spc="-1" dirty="0" err="1" smtClean="0">
                 <a:solidFill>
                   <a:srgbClr val="000000"/>
                 </a:solidFill>
@@ -6953,10 +6904,10 @@
                 </a:uFill>
                 <a:latin typeface="Calibri"/>
               </a:rPr>
-              <a:t>"</a:t>
-            </a:r>
-            <a:r>
-              <a:rPr lang="ru-RU" sz="1600" b="0" strike="noStrike" spc="-1" dirty="0" err="1" smtClean="0">
+              <a:t>Нарочанская</a:t>
+            </a:r>
+            <a:r>
+              <a:rPr lang="ru-RU" sz="1600" b="0" strike="noStrike" spc="-1" dirty="0" smtClean="0">
                 <a:solidFill>
                   <a:srgbClr val="000000"/>
                 </a:solidFill>
@@ -6967,10 +6918,10 @@
                 </a:uFill>
                 <a:latin typeface="Calibri"/>
               </a:rPr>
-              <a:t>Нарочанская</a:t>
-            </a:r>
-            <a:r>
-              <a:rPr lang="ru-RU" sz="1600" b="0" strike="noStrike" spc="-1" dirty="0" smtClean="0">
+              <a:t> биологическая  станция им. Г.Г. </a:t>
+            </a:r>
+            <a:r>
+              <a:rPr lang="ru-RU" sz="1600" b="0" strike="noStrike" spc="-1" dirty="0" err="1" smtClean="0">
                 <a:solidFill>
                   <a:srgbClr val="000000"/>
                 </a:solidFill>
@@ -6981,10 +6932,10 @@
                 </a:uFill>
                 <a:latin typeface="Calibri"/>
               </a:rPr>
-              <a:t> биологическая  станция им. Г.Г. </a:t>
-            </a:r>
-            <a:r>
-              <a:rPr lang="ru-RU" sz="1600" b="0" strike="noStrike" spc="-1" dirty="0" err="1" smtClean="0">
+              <a:t>Винберга</a:t>
+            </a:r>
+            <a:r>
+              <a:rPr lang="ru-RU" sz="1600" b="0" strike="noStrike" spc="-1" dirty="0" smtClean="0">
                 <a:solidFill>
                   <a:srgbClr val="000000"/>
                 </a:solidFill>
@@ -6995,9 +6946,9 @@
                 </a:uFill>
                 <a:latin typeface="Calibri"/>
               </a:rPr>
-              <a:t>Винберга</a:t>
-            </a:r>
-            <a:r>
+              <a:t>". </a:t>
+            </a:r>
+            <a:br>
               <a:rPr lang="ru-RU" sz="1600" b="0" strike="noStrike" spc="-1" dirty="0" smtClean="0">
                 <a:solidFill>
                   <a:srgbClr val="000000"/>
@@ -7009,8 +6960,20 @@
                 </a:uFill>
                 <a:latin typeface="Calibri"/>
               </a:rPr>
-              <a:t>". </a:t>
-            </a:r>
+            </a:br>
+            <a:endParaRPr lang="ru-RU" sz="1600" b="0" strike="noStrike" spc="-1" dirty="0" smtClean="0">
+              <a:solidFill>
+                <a:srgbClr val="000000"/>
+              </a:solidFill>
+              <a:uFill>
+                <a:solidFill>
+                  <a:srgbClr val="FFFFFF"/>
+                </a:solidFill>
+              </a:uFill>
+              <a:latin typeface="Calibri"/>
+            </a:endParaRPr>
+          </a:p>
+          <a:p>
             <a:r>
               <a:rPr lang="ru-RU" sz="1600" b="0" strike="noStrike" spc="-1" dirty="0" smtClean="0">
                 <a:solidFill>
@@ -7023,10 +6986,25 @@
                 </a:uFill>
                 <a:latin typeface="Calibri"/>
               </a:rPr>
-              <a:t/>
-            </a:r>
-            <a:br>
-              <a:rPr lang="ru-RU" sz="1600" b="0" strike="noStrike" spc="-1" dirty="0" smtClean="0">
+              <a:t> Полученные данные  - средние за месяц значения температуры  с  мая  по октябрь</a:t>
+            </a:r>
+          </a:p>
+          <a:p>
+            <a:endParaRPr lang="ru-RU" sz="1600" b="0" strike="noStrike" spc="-1" dirty="0" smtClean="0">
+              <a:solidFill>
+                <a:srgbClr val="000000"/>
+              </a:solidFill>
+              <a:uFill>
+                <a:solidFill>
+                  <a:srgbClr val="FFFFFF"/>
+                </a:solidFill>
+              </a:uFill>
+              <a:latin typeface="Calibri"/>
+            </a:endParaRPr>
+          </a:p>
+          <a:p>
+            <a:r>
+              <a:rPr lang="ru-RU" sz="1600" spc="-1" dirty="0" smtClean="0">
                 <a:solidFill>
                   <a:srgbClr val="000000"/>
                 </a:solidFill>
@@ -7037,20 +7015,8 @@
                 </a:uFill>
                 <a:latin typeface="Calibri"/>
               </a:rPr>
-            </a:br>
-            <a:endParaRPr lang="ru-RU" sz="1600" b="0" strike="noStrike" spc="-1" dirty="0" smtClean="0">
-              <a:solidFill>
-                <a:srgbClr val="000000"/>
-              </a:solidFill>
-              <a:uFill>
-                <a:solidFill>
-                  <a:srgbClr val="FFFFFF"/>
-                </a:solidFill>
-              </a:uFill>
-              <a:latin typeface="Calibri"/>
-            </a:endParaRPr>
-          </a:p>
-          <a:p>
+              <a:t>Р</a:t>
+            </a:r>
             <a:r>
               <a:rPr lang="ru-RU" sz="1600" b="0" strike="noStrike" spc="-1" dirty="0" smtClean="0">
                 <a:solidFill>
@@ -7063,10 +7029,10 @@
                 </a:uFill>
                 <a:latin typeface="Calibri"/>
               </a:rPr>
-              <a:t> </a:t>
-            </a:r>
-            <a:r>
-              <a:rPr lang="ru-RU" sz="1600" b="0" strike="noStrike" spc="-1" dirty="0" smtClean="0">
+              <a:t>азмер </a:t>
+            </a:r>
+            <a:r>
+              <a:rPr lang="ru-RU" sz="1600" spc="-1" dirty="0" smtClean="0">
                 <a:solidFill>
                   <a:srgbClr val="000000"/>
                 </a:solidFill>
@@ -7077,7 +7043,7 @@
                 </a:uFill>
                 <a:latin typeface="Calibri"/>
               </a:rPr>
-              <a:t>Полученные данные </a:t>
+              <a:t>в</a:t>
             </a:r>
             <a:r>
               <a:rPr lang="ru-RU" sz="1600" b="0" strike="noStrike" spc="-1" dirty="0" smtClean="0">
@@ -7091,10 +7057,37 @@
                 </a:uFill>
                 <a:latin typeface="Calibri"/>
               </a:rPr>
-              <a:t> - средние </a:t>
-            </a:r>
-            <a:r>
-              <a:rPr lang="ru-RU" sz="1600" b="0" strike="noStrike" spc="-1" dirty="0" smtClean="0">
+              <a:t>ыборки</a:t>
+            </a:r>
+            <a:r>
+              <a:rPr lang="ru-RU" sz="1600" spc="-1" dirty="0" smtClean="0">
+                <a:solidFill>
+                  <a:srgbClr val="000000"/>
+                </a:solidFill>
+                <a:uFill>
+                  <a:solidFill>
+                    <a:srgbClr val="FFFFFF"/>
+                  </a:solidFill>
+                </a:uFill>
+              </a:rPr>
+              <a:t>  </a:t>
+            </a:r>
+            <a:r>
+              <a:rPr lang="ru-RU" sz="1600" spc="-1" dirty="0" smtClean="0">
+                <a:solidFill>
+                  <a:srgbClr val="000000"/>
+                </a:solidFill>
+                <a:uFill>
+                  <a:solidFill>
+                    <a:srgbClr val="FFFFFF"/>
+                  </a:solidFill>
+                </a:uFill>
+                <a:ea typeface="Noto Sans CJK SC Regular"/>
+              </a:rPr>
+              <a:t>—  </a:t>
+            </a:r>
+            <a:r>
+              <a:rPr lang="en-US" sz="1600" spc="-1" dirty="0" smtClean="0">
                 <a:solidFill>
                   <a:srgbClr val="000000"/>
                 </a:solidFill>
@@ -7105,7 +7098,7 @@
                 </a:uFill>
                 <a:latin typeface="Calibri"/>
               </a:rPr>
-              <a:t>за месяц значения температуры  </a:t>
+              <a:t>198</a:t>
             </a:r>
             <a:r>
               <a:rPr lang="ru-RU" sz="1600" b="0" strike="noStrike" spc="-1" dirty="0" smtClean="0">
@@ -7119,10 +7112,10 @@
                 </a:uFill>
                 <a:latin typeface="Calibri"/>
               </a:rPr>
-              <a:t>с  </a:t>
-            </a:r>
-            <a:r>
-              <a:rPr lang="ru-RU" sz="1600" b="0" strike="noStrike" spc="-1" dirty="0" smtClean="0">
+              <a:t> элемент</a:t>
+            </a:r>
+            <a:r>
+              <a:rPr lang="ru-RU" sz="1600" spc="-1" dirty="0" smtClean="0">
                 <a:solidFill>
                   <a:srgbClr val="000000"/>
                 </a:solidFill>
@@ -7133,147 +7126,7 @@
                 </a:uFill>
                 <a:latin typeface="Calibri"/>
               </a:rPr>
-              <a:t>мая  по </a:t>
-            </a:r>
-            <a:r>
-              <a:rPr lang="ru-RU" sz="1600" b="0" strike="noStrike" spc="-1" dirty="0" smtClean="0">
-                <a:solidFill>
-                  <a:srgbClr val="000000"/>
-                </a:solidFill>
-                <a:uFill>
-                  <a:solidFill>
-                    <a:srgbClr val="FFFFFF"/>
-                  </a:solidFill>
-                </a:uFill>
-                <a:latin typeface="Calibri"/>
-              </a:rPr>
-              <a:t>октябрь</a:t>
-            </a:r>
-          </a:p>
-          <a:p>
-            <a:endParaRPr lang="ru-RU" sz="1600" b="0" strike="noStrike" spc="-1" dirty="0" smtClean="0">
-              <a:solidFill>
-                <a:srgbClr val="000000"/>
-              </a:solidFill>
-              <a:uFill>
-                <a:solidFill>
-                  <a:srgbClr val="FFFFFF"/>
-                </a:solidFill>
-              </a:uFill>
-              <a:latin typeface="Calibri"/>
-            </a:endParaRPr>
-          </a:p>
-          <a:p>
-            <a:r>
-              <a:rPr lang="ru-RU" sz="1600" spc="-1" dirty="0" smtClean="0">
-                <a:solidFill>
-                  <a:srgbClr val="000000"/>
-                </a:solidFill>
-                <a:uFill>
-                  <a:solidFill>
-                    <a:srgbClr val="FFFFFF"/>
-                  </a:solidFill>
-                </a:uFill>
-                <a:latin typeface="Calibri"/>
-              </a:rPr>
-              <a:t>Р</a:t>
-            </a:r>
-            <a:r>
-              <a:rPr lang="ru-RU" sz="1600" b="0" strike="noStrike" spc="-1" dirty="0" smtClean="0">
-                <a:solidFill>
-                  <a:srgbClr val="000000"/>
-                </a:solidFill>
-                <a:uFill>
-                  <a:solidFill>
-                    <a:srgbClr val="FFFFFF"/>
-                  </a:solidFill>
-                </a:uFill>
-                <a:latin typeface="Calibri"/>
-              </a:rPr>
-              <a:t>азмер </a:t>
-            </a:r>
-            <a:r>
-              <a:rPr lang="ru-RU" sz="1600" spc="-1" dirty="0" smtClean="0">
-                <a:solidFill>
-                  <a:srgbClr val="000000"/>
-                </a:solidFill>
-                <a:uFill>
-                  <a:solidFill>
-                    <a:srgbClr val="FFFFFF"/>
-                  </a:solidFill>
-                </a:uFill>
-                <a:latin typeface="Calibri"/>
-              </a:rPr>
-              <a:t>в</a:t>
-            </a:r>
-            <a:r>
-              <a:rPr lang="ru-RU" sz="1600" b="0" strike="noStrike" spc="-1" dirty="0" smtClean="0">
-                <a:solidFill>
-                  <a:srgbClr val="000000"/>
-                </a:solidFill>
-                <a:uFill>
-                  <a:solidFill>
-                    <a:srgbClr val="FFFFFF"/>
-                  </a:solidFill>
-                </a:uFill>
-                <a:latin typeface="Calibri"/>
-              </a:rPr>
-              <a:t>ыборки</a:t>
-            </a:r>
-            <a:r>
-              <a:rPr lang="ru-RU" sz="1600" spc="-1" dirty="0" smtClean="0">
-                <a:solidFill>
-                  <a:srgbClr val="000000"/>
-                </a:solidFill>
-                <a:uFill>
-                  <a:solidFill>
-                    <a:srgbClr val="FFFFFF"/>
-                  </a:solidFill>
-                </a:uFill>
-              </a:rPr>
-              <a:t>  </a:t>
-            </a:r>
-            <a:r>
-              <a:rPr lang="ru-RU" sz="1600" spc="-1" dirty="0" smtClean="0">
-                <a:solidFill>
-                  <a:srgbClr val="000000"/>
-                </a:solidFill>
-                <a:uFill>
-                  <a:solidFill>
-                    <a:srgbClr val="FFFFFF"/>
-                  </a:solidFill>
-                </a:uFill>
-                <a:ea typeface="Noto Sans CJK SC Regular"/>
-              </a:rPr>
-              <a:t>—  </a:t>
-            </a:r>
-            <a:r>
-              <a:rPr lang="ru-RU" sz="1600" b="0" strike="noStrike" spc="-1" dirty="0" smtClean="0">
-                <a:solidFill>
-                  <a:srgbClr val="000000"/>
-                </a:solidFill>
-                <a:uFill>
-                  <a:solidFill>
-                    <a:srgbClr val="FFFFFF"/>
-                  </a:solidFill>
-                </a:uFill>
-                <a:latin typeface="Calibri"/>
-              </a:rPr>
-              <a:t>204 </a:t>
-            </a:r>
-            <a:r>
-              <a:rPr lang="ru-RU" sz="1600" b="0" strike="noStrike" spc="-1" dirty="0" smtClean="0">
-                <a:solidFill>
-                  <a:srgbClr val="000000"/>
-                </a:solidFill>
-                <a:uFill>
-                  <a:solidFill>
-                    <a:srgbClr val="FFFFFF"/>
-                  </a:solidFill>
-                </a:uFill>
-                <a:latin typeface="Calibri"/>
-              </a:rPr>
-              <a:t>элемента.</a:t>
+              <a:t>ов</a:t>
             </a:r>
             <a:endParaRPr lang="ru-RU" sz="1600" b="0" strike="noStrike" spc="-1" dirty="0" smtClean="0">
               <a:solidFill>
@@ -9655,7 +9508,7 @@
         <p:spPr>
           <a:xfrm>
             <a:off x="2627784" y="1916832"/>
-            <a:ext cx="4572000" cy="1200329"/>
+            <a:ext cx="4572000" cy="923330"/>
           </a:xfrm>
           <a:prstGeom prst="rect">
             <a:avLst/>
@@ -9668,8 +9521,16 @@
           <a:lstStyle/>
           <a:p>
             <a:r>
+              <a:rPr lang="en-US" dirty="0" smtClean="0"/>
+              <a:t>e(t) </a:t>
+            </a:r>
+            <a:r>
               <a:rPr lang="ru-RU" dirty="0" smtClean="0"/>
-              <a:t>Поскольку рассматриваемый ряд относится к стационарным в широком смысле случайным процессам представим его в виде аддитивной модели: </a:t>
+              <a:t>относится </a:t>
+            </a:r>
+            <a:r>
+              <a:rPr lang="ru-RU" dirty="0" smtClean="0"/>
+              <a:t>к стационарным в широком смысле случайным процессам представим его в виде аддитивной модели: </a:t>
             </a:r>
             <a:endParaRPr lang="en-US" dirty="0"/>
           </a:p>

--- a/Ivan Vodich.pptx
+++ b/Ivan Vodich.pptx
@@ -817,11 +817,11 @@
           </c:spPr>
         </c:hiLowLines>
         <c:smooth val="0"/>
-        <c:axId val="141152656"/>
-        <c:axId val="141153216"/>
+        <c:axId val="163816112"/>
+        <c:axId val="163816672"/>
       </c:lineChart>
       <c:catAx>
-        <c:axId val="141152656"/>
+        <c:axId val="163816112"/>
         <c:scaling>
           <c:orientation val="minMax"/>
         </c:scaling>
@@ -859,7 +859,7 @@
             <a:endParaRPr lang="en-US"/>
           </a:p>
         </c:txPr>
-        <c:crossAx val="141153216"/>
+        <c:crossAx val="163816672"/>
         <c:crosses val="autoZero"/>
         <c:auto val="1"/>
         <c:lblAlgn val="ctr"/>
@@ -867,7 +867,7 @@
         <c:noMultiLvlLbl val="0"/>
       </c:catAx>
       <c:valAx>
-        <c:axId val="141153216"/>
+        <c:axId val="163816672"/>
         <c:scaling>
           <c:orientation val="minMax"/>
         </c:scaling>
@@ -915,7 +915,7 @@
             <a:endParaRPr lang="en-US"/>
           </a:p>
         </c:txPr>
-        <c:crossAx val="141152656"/>
+        <c:crossAx val="163816112"/>
         <c:crosses val="autoZero"/>
         <c:crossBetween val="midCat"/>
       </c:valAx>
@@ -1024,7 +1024,7 @@
             <a:fld id="{C1849D02-0674-415F-8D25-25E0E2E23F4C}" type="datetimeFigureOut">
               <a:rPr lang="en-US" smtClean="0"/>
               <a:pPr/>
-              <a:t>06.06.2017</a:t>
+              <a:t>07.06.2017</a:t>
             </a:fld>
             <a:endParaRPr lang="en-US"/>
           </a:p>
@@ -1404,6 +1404,136 @@
 </p:notes>
 </file>
 
+<file path=ppt/notesSlides/notesSlide10.xml><?xml version="1.0" encoding="utf-8"?>
+<p:notes xmlns:a="http://schemas.openxmlformats.org/drawingml/2006/main" xmlns:r="http://schemas.openxmlformats.org/officeDocument/2006/relationships" xmlns:p="http://schemas.openxmlformats.org/presentationml/2006/main">
+  <p:cSld>
+    <p:spTree>
+      <p:nvGrpSpPr>
+        <p:cNvPr id="1" name=""/>
+        <p:cNvGrpSpPr/>
+        <p:nvPr/>
+      </p:nvGrpSpPr>
+      <p:grpSpPr>
+        <a:xfrm>
+          <a:off x="0" y="0"/>
+          <a:ext cx="0" cy="0"/>
+          <a:chOff x="0" y="0"/>
+          <a:chExt cx="0" cy="0"/>
+        </a:xfrm>
+      </p:grpSpPr>
+      <p:sp>
+        <p:nvSpPr>
+          <p:cNvPr id="2" name="Slide Image Placeholder 1"/>
+          <p:cNvSpPr>
+            <a:spLocks noGrp="1" noRot="1" noChangeAspect="1"/>
+          </p:cNvSpPr>
+          <p:nvPr>
+            <p:ph type="sldImg"/>
+          </p:nvPr>
+        </p:nvSpPr>
+        <p:spPr/>
+      </p:sp>
+      <p:sp>
+        <p:nvSpPr>
+          <p:cNvPr id="3" name="Notes Placeholder 2"/>
+          <p:cNvSpPr>
+            <a:spLocks noGrp="1"/>
+          </p:cNvSpPr>
+          <p:nvPr>
+            <p:ph type="body" idx="1"/>
+          </p:nvPr>
+        </p:nvSpPr>
+        <p:spPr/>
+        <p:txBody>
+          <a:bodyPr/>
+          <a:lstStyle/>
+          <a:p>
+            <a:r>
+              <a:rPr lang="ru-RU" dirty="0" smtClean="0"/>
+              <a:t>Построили две аддитивные модели.</a:t>
+            </a:r>
+            <a:r>
+              <a:rPr lang="ru-RU" baseline="0" dirty="0" smtClean="0"/>
+              <a:t> </a:t>
+            </a:r>
+          </a:p>
+          <a:p>
+            <a:endParaRPr lang="ru-RU" baseline="0" dirty="0" smtClean="0"/>
+          </a:p>
+          <a:p>
+            <a:r>
+              <a:rPr lang="ru-RU" baseline="0" dirty="0" smtClean="0"/>
+              <a:t>Показали влидность моделей по построенному прогнозу, полученым  ошибкам.</a:t>
+            </a:r>
+          </a:p>
+          <a:p>
+            <a:r>
+              <a:rPr lang="ru-RU" baseline="0" dirty="0" smtClean="0"/>
+              <a:t/>
+            </a:r>
+            <a:br>
+              <a:rPr lang="ru-RU" baseline="0" dirty="0" smtClean="0"/>
+            </a:br>
+            <a:r>
+              <a:rPr lang="ru-RU" baseline="0" dirty="0" smtClean="0"/>
+              <a:t>Сравнили модели и выявили, что лучше испльзовать </a:t>
+            </a:r>
+            <a:r>
+              <a:rPr lang="en-US" baseline="0" dirty="0" smtClean="0"/>
+              <a:t>ARIMA</a:t>
+            </a:r>
+            <a:r>
+              <a:rPr lang="ru-RU" baseline="0" dirty="0" smtClean="0"/>
+              <a:t> для краткосрочного прогноза.</a:t>
+            </a:r>
+            <a:br>
+              <a:rPr lang="ru-RU" baseline="0" dirty="0" smtClean="0"/>
+            </a:br>
+            <a:r>
+              <a:rPr lang="ru-RU" baseline="0" dirty="0" smtClean="0"/>
+              <a:t>Гармоничский анализ использовали для прогнозов на долгий период.</a:t>
+            </a:r>
+            <a:endParaRPr lang="en-US" dirty="0"/>
+          </a:p>
+        </p:txBody>
+      </p:sp>
+      <p:sp>
+        <p:nvSpPr>
+          <p:cNvPr id="4" name="Slide Number Placeholder 3"/>
+          <p:cNvSpPr>
+            <a:spLocks noGrp="1"/>
+          </p:cNvSpPr>
+          <p:nvPr>
+            <p:ph type="sldNum" sz="quarter" idx="10"/>
+          </p:nvPr>
+        </p:nvSpPr>
+        <p:spPr/>
+        <p:txBody>
+          <a:bodyPr/>
+          <a:lstStyle/>
+          <a:p>
+            <a:fld id="{5482F83E-882B-4775-9577-1BA1E17C6FBA}" type="slidenum">
+              <a:rPr lang="en-US" smtClean="0"/>
+              <a:pPr/>
+              <a:t>10</a:t>
+            </a:fld>
+            <a:endParaRPr lang="en-US"/>
+          </a:p>
+        </p:txBody>
+      </p:sp>
+    </p:spTree>
+    <p:extLst>
+      <p:ext uri="{BB962C8B-B14F-4D97-AF65-F5344CB8AC3E}">
+        <p14:creationId xmlns:p14="http://schemas.microsoft.com/office/powerpoint/2010/main" val="2094519474"/>
+      </p:ext>
+    </p:extLst>
+  </p:cSld>
+  <p:clrMapOvr>
+    <a:masterClrMapping/>
+  </p:clrMapOvr>
+</p:notes>
+</file>
+
 <file path=ppt/notesSlides/notesSlide2.xml><?xml version="1.0" encoding="utf-8"?>
 <p:notes xmlns:a="http://schemas.openxmlformats.org/drawingml/2006/main" xmlns:r="http://schemas.openxmlformats.org/officeDocument/2006/relationships" xmlns:p="http://schemas.openxmlformats.org/presentationml/2006/main">
   <p:cSld>
@@ -1448,6 +1578,19 @@
           <a:bodyPr/>
           <a:lstStyle/>
           <a:p>
+            <a:endParaRPr lang="ru-RU" sz="1200" b="0" strike="noStrike" spc="-1" dirty="0" smtClean="0">
+              <a:solidFill>
+                <a:srgbClr val="000000"/>
+              </a:solidFill>
+              <a:uFill>
+                <a:solidFill>
+                  <a:srgbClr val="FFFFFF"/>
+                </a:solidFill>
+              </a:uFill>
+              <a:latin typeface="+mn-lt"/>
+            </a:endParaRPr>
+          </a:p>
+          <a:p>
             <a:r>
               <a:rPr lang="ru-RU" sz="1200" b="0" strike="noStrike" spc="-1" dirty="0" smtClean="0">
                 <a:solidFill>
@@ -1460,9 +1603,23 @@
                 </a:uFill>
                 <a:latin typeface="+mn-lt"/>
               </a:rPr>
-              <a:t>
-</a:t>
-            </a:r>
+              <a:t>Получили данные.  </a:t>
+            </a:r>
+          </a:p>
+          <a:p>
+            <a:endParaRPr lang="ru-RU" sz="1200" b="0" strike="noStrike" spc="-1" dirty="0" smtClean="0">
+              <a:solidFill>
+                <a:srgbClr val="000000"/>
+              </a:solidFill>
+              <a:uFill>
+                <a:solidFill>
+                  <a:srgbClr val="FFFFFF"/>
+                </a:solidFill>
+              </a:uFill>
+              <a:latin typeface="+mn-lt"/>
+            </a:endParaRPr>
+          </a:p>
+          <a:p>
             <a:r>
               <a:rPr lang="ru-RU" sz="1200" b="0" strike="noStrike" spc="-1" dirty="0" smtClean="0">
                 <a:solidFill>
@@ -1476,23 +1633,21 @@
                 <a:latin typeface="+mn-lt"/>
                 <a:ea typeface="Noto Sans CJK SC Regular"/>
               </a:rPr>
-              <a:t>Рассматриваемые данные </a:t>
-            </a:r>
-            <a:r>
-              <a:rPr lang="ru-RU" sz="1200" b="0" strike="noStrike" spc="-1" dirty="0" smtClean="0">
-                <a:solidFill>
-                  <a:srgbClr val="000000"/>
-                </a:solidFill>
-                <a:uFill>
-                  <a:solidFill>
-                    <a:srgbClr val="FFFFFF"/>
-                  </a:solidFill>
-                </a:uFill>
-                <a:latin typeface="Times New Roman"/>
-                <a:ea typeface="Noto Sans CJK SC Regular"/>
-              </a:rPr>
-              <a:t>― </a:t>
-            </a:r>
+              <a:t>Температура воды на глубине 3 м озера Баторино. </a:t>
+            </a:r>
+            <a:endParaRPr lang="en-US" sz="1200" b="0" strike="noStrike" spc="-1" dirty="0" smtClean="0">
+              <a:solidFill>
+                <a:srgbClr val="000000"/>
+              </a:solidFill>
+              <a:uFill>
+                <a:solidFill>
+                  <a:srgbClr val="FFFFFF"/>
+                </a:solidFill>
+              </a:uFill>
+              <a:latin typeface="+mn-lt"/>
+            </a:endParaRPr>
+          </a:p>
+          <a:p>
             <a:r>
               <a:rPr lang="ru-RU" sz="1200" b="0" strike="noStrike" spc="-1" dirty="0" smtClean="0">
                 <a:solidFill>
@@ -1504,12 +1659,11 @@
                   </a:solidFill>
                 </a:uFill>
                 <a:latin typeface="+mn-lt"/>
-                <a:ea typeface="Noto Sans CJK SC Regular"/>
-              </a:rPr>
-              <a:t> температура воды на глубине 3 м озера Баторино. </a:t>
-            </a:r>
-            <a:br>
-              <a:rPr lang="ru-RU" sz="1200" b="0" strike="noStrike" spc="-1" dirty="0" smtClean="0">
+              </a:rPr>
+              <a:t>На</a:t>
+            </a:r>
+            <a:r>
+              <a:rPr lang="ru-RU" sz="1200" b="0" strike="noStrike" spc="-1" baseline="0" dirty="0" smtClean="0">
                 <a:solidFill>
                   <a:srgbClr val="000000"/>
                 </a:solidFill>
@@ -1519,11 +1673,11 @@
                   </a:solidFill>
                 </a:uFill>
                 <a:latin typeface="+mn-lt"/>
-                <a:ea typeface="Noto Sans CJK SC Regular"/>
-              </a:rPr>
-            </a:br>
-            <a:r>
-              <a:rPr lang="en-US" sz="1200" b="0" strike="noStrike" spc="-1" dirty="0" smtClean="0">
+              </a:rPr>
+              <a:t> графике с</a:t>
+            </a:r>
+            <a:r>
+              <a:rPr lang="ru-RU" sz="1200" b="0" strike="noStrike" spc="-1" dirty="0" smtClean="0">
                 <a:solidFill>
                   <a:srgbClr val="000000"/>
                 </a:solidFill>
@@ -1533,12 +1687,11 @@
                   </a:solidFill>
                 </a:uFill>
                 <a:latin typeface="+mn-lt"/>
-                <a:ea typeface="Noto Sans CJK SC Regular"/>
-              </a:rPr>
-              <a:t/>
-            </a:r>
-            <a:br>
-              <a:rPr lang="en-US" sz="1200" b="0" strike="noStrike" spc="-1" dirty="0" smtClean="0">
+              </a:rPr>
+              <a:t>редняя </a:t>
+            </a:r>
+            <a:r>
+              <a:rPr lang="ru-RU" sz="1200" b="0" strike="noStrike" spc="-1" dirty="0" smtClean="0">
                 <a:solidFill>
                   <a:srgbClr val="000000"/>
                 </a:solidFill>
@@ -1548,12 +1701,8 @@
                   </a:solidFill>
                 </a:uFill>
                 <a:latin typeface="+mn-lt"/>
-                <a:ea typeface="Noto Sans CJK SC Regular"/>
-              </a:rPr>
-            </a:br>
-            <a:r>
-              <a:rPr lang="ru-RU" dirty="0" smtClean="0"/>
-              <a:t>учебно-научного центра </a:t>
+              </a:rPr>
+              <a:t>за месяц </a:t>
             </a:r>
             <a:r>
               <a:rPr lang="ru-RU" sz="1200" b="0" strike="noStrike" spc="-1" dirty="0" smtClean="0">
@@ -1567,9 +1716,9 @@
                 </a:uFill>
                 <a:latin typeface="+mn-lt"/>
               </a:rPr>
-              <a:t>"Нарочанская биологическая  станция им. Г.Г. Винберга". </a:t>
-            </a:r>
-            <a:br>
+              <a:t>температура  </a:t>
+            </a:r>
+            <a:r>
               <a:rPr lang="ru-RU" sz="1200" b="0" strike="noStrike" spc="-1" dirty="0" smtClean="0">
                 <a:solidFill>
                   <a:srgbClr val="000000"/>
@@ -1581,20 +1730,8 @@
                 </a:uFill>
                 <a:latin typeface="+mn-lt"/>
               </a:rPr>
-            </a:br>
-            <a:endParaRPr lang="ru-RU" sz="1200" b="0" strike="noStrike" spc="-1" dirty="0" smtClean="0">
-              <a:solidFill>
-                <a:srgbClr val="000000"/>
-              </a:solidFill>
-              <a:uFill>
-                <a:solidFill>
-                  <a:srgbClr val="FFFFFF"/>
-                </a:solidFill>
-              </a:uFill>
-              <a:latin typeface="+mn-lt"/>
-            </a:endParaRPr>
-          </a:p>
-          <a:p>
+              <a:t>с  мая  по </a:t>
+            </a:r>
             <a:r>
               <a:rPr lang="ru-RU" sz="1200" b="0" strike="noStrike" spc="-1" dirty="0" smtClean="0">
                 <a:solidFill>
@@ -1607,25 +1744,10 @@
                 </a:uFill>
                 <a:latin typeface="+mn-lt"/>
               </a:rPr>
-              <a:t>Полученные данные  - средние за месяц значения температуры  с  мая  по октябрь</a:t>
-            </a:r>
-          </a:p>
-          <a:p>
-            <a:endParaRPr lang="ru-RU" sz="1200" b="0" strike="noStrike" spc="-1" dirty="0" smtClean="0">
-              <a:solidFill>
-                <a:srgbClr val="000000"/>
-              </a:solidFill>
-              <a:uFill>
-                <a:solidFill>
-                  <a:srgbClr val="FFFFFF"/>
-                </a:solidFill>
-              </a:uFill>
-              <a:latin typeface="+mn-lt"/>
-            </a:endParaRPr>
-          </a:p>
-          <a:p>
-            <a:r>
-              <a:rPr lang="ru-RU" sz="1200" spc="-1" dirty="0" smtClean="0">
+              <a:t>октябрь</a:t>
+            </a:r>
+            <a:r>
+              <a:rPr lang="en-US" sz="1200" b="0" strike="noStrike" spc="-1" dirty="0" smtClean="0">
                 <a:solidFill>
                   <a:srgbClr val="000000"/>
                 </a:solidFill>
@@ -1636,121 +1758,15 @@
                 </a:uFill>
                 <a:latin typeface="+mn-lt"/>
               </a:rPr>
-              <a:t>Р</a:t>
-            </a:r>
-            <a:r>
-              <a:rPr lang="ru-RU" sz="1200" b="0" strike="noStrike" spc="-1" dirty="0" smtClean="0">
-                <a:solidFill>
-                  <a:srgbClr val="000000"/>
-                </a:solidFill>
-                <a:uFill>
-                  <a:solidFill>
-                    <a:srgbClr val="FFFFFF"/>
-                  </a:solidFill>
-                </a:uFill>
-                <a:latin typeface="+mn-lt"/>
-              </a:rPr>
-              <a:t>азмер </a:t>
-            </a:r>
-            <a:r>
-              <a:rPr lang="ru-RU" sz="1200" spc="-1" dirty="0" smtClean="0">
-                <a:solidFill>
-                  <a:srgbClr val="000000"/>
-                </a:solidFill>
-                <a:uFill>
-                  <a:solidFill>
-                    <a:srgbClr val="FFFFFF"/>
-                  </a:solidFill>
-                </a:uFill>
-                <a:latin typeface="+mn-lt"/>
-              </a:rPr>
-              <a:t>в</a:t>
-            </a:r>
-            <a:r>
-              <a:rPr lang="ru-RU" sz="1200" b="0" strike="noStrike" spc="-1" dirty="0" smtClean="0">
-                <a:solidFill>
-                  <a:srgbClr val="000000"/>
-                </a:solidFill>
-                <a:uFill>
-                  <a:solidFill>
-                    <a:srgbClr val="FFFFFF"/>
-                  </a:solidFill>
-                </a:uFill>
-                <a:latin typeface="+mn-lt"/>
-              </a:rPr>
-              <a:t>ыборки</a:t>
-            </a:r>
-            <a:r>
-              <a:rPr lang="ru-RU" sz="1200" spc="-1" dirty="0" smtClean="0">
-                <a:solidFill>
-                  <a:srgbClr val="000000"/>
-                </a:solidFill>
-                <a:uFill>
-                  <a:solidFill>
-                    <a:srgbClr val="FFFFFF"/>
-                  </a:solidFill>
-                </a:uFill>
-              </a:rPr>
-              <a:t>  </a:t>
-            </a:r>
-            <a:r>
-              <a:rPr lang="ru-RU" sz="1200" spc="-1" dirty="0" smtClean="0">
-                <a:solidFill>
-                  <a:srgbClr val="000000"/>
-                </a:solidFill>
-                <a:uFill>
-                  <a:solidFill>
-                    <a:srgbClr val="FFFFFF"/>
-                  </a:solidFill>
-                </a:uFill>
-                <a:ea typeface="Noto Sans CJK SC Regular"/>
-              </a:rPr>
-              <a:t>—  </a:t>
-            </a:r>
-            <a:r>
-              <a:rPr lang="en-US" sz="1200" spc="-1" dirty="0" smtClean="0">
-                <a:solidFill>
-                  <a:srgbClr val="000000"/>
-                </a:solidFill>
-                <a:uFill>
-                  <a:solidFill>
-                    <a:srgbClr val="FFFFFF"/>
-                  </a:solidFill>
-                </a:uFill>
-                <a:latin typeface="+mn-lt"/>
-              </a:rPr>
-              <a:t>198</a:t>
-            </a:r>
-            <a:r>
-              <a:rPr lang="ru-RU" sz="1200" b="0" strike="noStrike" spc="-1" dirty="0" smtClean="0">
-                <a:solidFill>
-                  <a:srgbClr val="000000"/>
-                </a:solidFill>
-                <a:uFill>
-                  <a:solidFill>
-                    <a:srgbClr val="FFFFFF"/>
-                  </a:solidFill>
-                </a:uFill>
-                <a:latin typeface="+mn-lt"/>
-              </a:rPr>
-              <a:t> элемент</a:t>
-            </a:r>
-            <a:r>
-              <a:rPr lang="ru-RU" sz="1200" spc="-1" dirty="0" smtClean="0">
-                <a:solidFill>
-                  <a:srgbClr val="000000"/>
-                </a:solidFill>
-                <a:uFill>
-                  <a:solidFill>
-                    <a:srgbClr val="FFFFFF"/>
-                  </a:solidFill>
-                </a:uFill>
-                <a:latin typeface="+mn-lt"/>
-              </a:rPr>
-              <a:t>ов</a:t>
-            </a:r>
-          </a:p>
-          <a:p>
+              <a:t> </a:t>
+            </a:r>
+            <a:r>
+              <a:rPr lang="ru-RU" sz="1200" dirty="0" smtClean="0">
+                <a:latin typeface="Times New Roman" panose="02020603050405020304" pitchFamily="18" charset="0"/>
+                <a:cs typeface="Times New Roman" panose="02020603050405020304" pitchFamily="18" charset="0"/>
+              </a:rPr>
+              <a:t>1979 – 2012 гг.</a:t>
+            </a:r>
             <a:endParaRPr lang="ru-RU" sz="1200" b="0" strike="noStrike" spc="-1" dirty="0" smtClean="0">
               <a:solidFill>
                 <a:srgbClr val="000000"/>
@@ -1764,6 +1780,70 @@
             </a:endParaRPr>
           </a:p>
           <a:p>
+            <a:pPr marL="0" marR="0" lvl="0" indent="0" algn="l" defTabSz="914400" rtl="0" eaLnBrk="1" fontAlgn="auto" latinLnBrk="0" hangingPunct="1">
+              <a:lnSpc>
+                <a:spcPct val="100000"/>
+              </a:lnSpc>
+              <a:spcBef>
+                <a:spcPts val="0"/>
+              </a:spcBef>
+              <a:spcAft>
+                <a:spcPts val="0"/>
+              </a:spcAft>
+              <a:buClrTx/>
+              <a:buSzTx/>
+              <a:buFontTx/>
+              <a:buNone/>
+              <a:tabLst/>
+              <a:defRPr/>
+            </a:pPr>
+            <a:r>
+              <a:rPr lang="ru-RU" sz="1200" dirty="0" smtClean="0">
+                <a:latin typeface="Times New Roman" panose="02020603050405020304" pitchFamily="18" charset="0"/>
+                <a:cs typeface="Times New Roman" panose="02020603050405020304" pitchFamily="18" charset="0"/>
+              </a:rPr>
+              <a:t>Размер выборки  —  </a:t>
+            </a:r>
+            <a:r>
+              <a:rPr lang="en-US" sz="1200" dirty="0" smtClean="0">
+                <a:latin typeface="Times New Roman" panose="02020603050405020304" pitchFamily="18" charset="0"/>
+                <a:cs typeface="Times New Roman" panose="02020603050405020304" pitchFamily="18" charset="0"/>
+              </a:rPr>
+              <a:t>198</a:t>
+            </a:r>
+            <a:r>
+              <a:rPr lang="ru-RU" sz="1200" dirty="0" smtClean="0">
+                <a:latin typeface="Times New Roman" panose="02020603050405020304" pitchFamily="18" charset="0"/>
+                <a:cs typeface="Times New Roman" panose="02020603050405020304" pitchFamily="18" charset="0"/>
+              </a:rPr>
+              <a:t> элементов.  Последний</a:t>
+            </a:r>
+            <a:r>
+              <a:rPr lang="ru-RU" sz="1200" baseline="0" dirty="0" smtClean="0">
+                <a:latin typeface="Times New Roman" panose="02020603050405020304" pitchFamily="18" charset="0"/>
+                <a:cs typeface="Times New Roman" panose="02020603050405020304" pitchFamily="18" charset="0"/>
+              </a:rPr>
+              <a:t> год не рассмотрели для построения прогноза.</a:t>
+            </a:r>
+            <a:endParaRPr lang="ru-RU" sz="1200" dirty="0" smtClean="0">
+              <a:latin typeface="Times New Roman" panose="02020603050405020304" pitchFamily="18" charset="0"/>
+              <a:cs typeface="Times New Roman" panose="02020603050405020304" pitchFamily="18" charset="0"/>
+            </a:endParaRPr>
+          </a:p>
+          <a:p>
+            <a:endParaRPr lang="ru-RU" sz="1200" b="0" strike="noStrike" spc="-1" dirty="0" smtClean="0">
+              <a:solidFill>
+                <a:srgbClr val="000000"/>
+              </a:solidFill>
+              <a:uFill>
+                <a:solidFill>
+                  <a:srgbClr val="FFFFFF"/>
+                </a:solidFill>
+              </a:uFill>
+              <a:latin typeface="+mn-lt"/>
+            </a:endParaRPr>
+          </a:p>
+          <a:p>
             <a:r>
               <a:rPr lang="ru-RU" sz="1200" kern="1200" dirty="0" smtClean="0">
                 <a:solidFill>
@@ -1774,7 +1854,7 @@
                 <a:ea typeface="+mn-ea"/>
                 <a:cs typeface="+mn-cs"/>
               </a:rPr>
-              <a:t>ряд демонстрирует две особенности:</a:t>
+              <a:t>График демонстрирует две особенности:</a:t>
             </a:r>
             <a:endParaRPr lang="en-US" sz="1200" kern="1200" dirty="0" smtClean="0">
               <a:solidFill>
@@ -1811,7 +1891,6 @@
             </a:endParaRPr>
           </a:p>
           <a:p>
-            <a:pPr lvl="0"/>
             <a:r>
               <a:rPr lang="ru-RU" sz="1200" kern="1200" dirty="0" smtClean="0">
                 <a:solidFill>
@@ -1822,19 +1901,8 @@
                 <a:ea typeface="+mn-ea"/>
                 <a:cs typeface="+mn-cs"/>
               </a:rPr>
-              <a:t>наличие сезонной компоненты с периодом 6.</a:t>
-            </a:r>
-            <a:endParaRPr lang="en-US" sz="1200" kern="1200" dirty="0" smtClean="0">
-              <a:solidFill>
-                <a:schemeClr val="tx1"/>
-              </a:solidFill>
-              <a:effectLst/>
-              <a:latin typeface="+mn-lt"/>
-              <a:ea typeface="+mn-ea"/>
-              <a:cs typeface="+mn-cs"/>
-            </a:endParaRPr>
-          </a:p>
-          <a:p>
+              <a:t>наличие сезонной компоненты с периодом 6</a:t>
+            </a:r>
             <a:endParaRPr lang="ru-RU" sz="1200" b="0" strike="noStrike" spc="-1" dirty="0" smtClean="0">
               <a:solidFill>
                 <a:srgbClr val="000000"/>
@@ -1933,6 +2001,274 @@
           <a:bodyPr/>
           <a:lstStyle/>
           <a:p>
+            <a:r>
+              <a:rPr lang="ru-RU" sz="1200" kern="1200" dirty="0" smtClean="0">
+                <a:solidFill>
+                  <a:schemeClr val="tx1"/>
+                </a:solidFill>
+                <a:effectLst/>
+                <a:latin typeface="+mn-lt"/>
+                <a:ea typeface="+mn-ea"/>
+                <a:cs typeface="+mn-cs"/>
+              </a:rPr>
+              <a:t>Проверили выборку на нормальное расперделение.</a:t>
+            </a:r>
+            <a:br>
+              <a:rPr lang="ru-RU" sz="1200" kern="1200" dirty="0" smtClean="0">
+                <a:solidFill>
+                  <a:schemeClr val="tx1"/>
+                </a:solidFill>
+                <a:effectLst/>
+                <a:latin typeface="+mn-lt"/>
+                <a:ea typeface="+mn-ea"/>
+                <a:cs typeface="+mn-cs"/>
+              </a:rPr>
+            </a:br>
+            <a:r>
+              <a:rPr lang="ru-RU" sz="1200" kern="1200" dirty="0" smtClean="0">
+                <a:solidFill>
+                  <a:schemeClr val="tx1"/>
+                </a:solidFill>
+                <a:effectLst/>
+                <a:latin typeface="+mn-lt"/>
+                <a:ea typeface="+mn-ea"/>
+                <a:cs typeface="+mn-cs"/>
+              </a:rPr>
+              <a:t/>
+            </a:r>
+            <a:br>
+              <a:rPr lang="ru-RU" sz="1200" kern="1200" dirty="0" smtClean="0">
+                <a:solidFill>
+                  <a:schemeClr val="tx1"/>
+                </a:solidFill>
+                <a:effectLst/>
+                <a:latin typeface="+mn-lt"/>
+                <a:ea typeface="+mn-ea"/>
+                <a:cs typeface="+mn-cs"/>
+              </a:rPr>
+            </a:br>
+            <a:r>
+              <a:rPr lang="ru-RU" sz="1200" kern="1200" dirty="0" smtClean="0">
+                <a:solidFill>
+                  <a:schemeClr val="tx1"/>
+                </a:solidFill>
+                <a:effectLst/>
+                <a:latin typeface="+mn-lt"/>
+                <a:ea typeface="+mn-ea"/>
+                <a:cs typeface="+mn-cs"/>
+              </a:rPr>
+              <a:t>Выборка однородна. Левосторонняя небольшая асимметрия.</a:t>
+            </a:r>
+            <a:r>
+              <a:rPr lang="ru-RU" sz="1200" kern="1200" baseline="0" dirty="0" smtClean="0">
+                <a:solidFill>
+                  <a:schemeClr val="tx1"/>
+                </a:solidFill>
+                <a:effectLst/>
+                <a:latin typeface="+mn-lt"/>
+                <a:ea typeface="+mn-ea"/>
+                <a:cs typeface="+mn-cs"/>
+              </a:rPr>
+              <a:t> </a:t>
+            </a:r>
+            <a:r>
+              <a:rPr lang="ru-RU" sz="1200" kern="1200" dirty="0" smtClean="0">
+                <a:solidFill>
+                  <a:schemeClr val="tx1"/>
+                </a:solidFill>
+                <a:effectLst/>
+                <a:latin typeface="+mn-lt"/>
+                <a:ea typeface="+mn-ea"/>
+                <a:cs typeface="+mn-cs"/>
+              </a:rPr>
+              <a:t>Незначительный</a:t>
+            </a:r>
+            <a:r>
+              <a:rPr lang="ru-RU" sz="1200" kern="1200" baseline="0" dirty="0" smtClean="0">
+                <a:solidFill>
+                  <a:schemeClr val="tx1"/>
+                </a:solidFill>
+                <a:effectLst/>
+                <a:latin typeface="+mn-lt"/>
+                <a:ea typeface="+mn-ea"/>
+                <a:cs typeface="+mn-cs"/>
+              </a:rPr>
+              <a:t> о</a:t>
+            </a:r>
+            <a:r>
+              <a:rPr lang="ru-RU" sz="1200" kern="1200" dirty="0" smtClean="0">
+                <a:solidFill>
+                  <a:schemeClr val="tx1"/>
+                </a:solidFill>
+                <a:effectLst/>
+                <a:latin typeface="+mn-lt"/>
+                <a:ea typeface="+mn-ea"/>
+                <a:cs typeface="+mn-cs"/>
+              </a:rPr>
+              <a:t>трицательный эксцесс.</a:t>
+            </a:r>
+          </a:p>
+          <a:p>
+            <a:endParaRPr lang="ru-RU" sz="1200" kern="1200" dirty="0" smtClean="0">
+              <a:solidFill>
+                <a:schemeClr val="tx1"/>
+              </a:solidFill>
+              <a:effectLst/>
+              <a:latin typeface="+mn-lt"/>
+              <a:ea typeface="+mn-ea"/>
+              <a:cs typeface="+mn-cs"/>
+            </a:endParaRPr>
+          </a:p>
+          <a:p>
+            <a:r>
+              <a:rPr lang="ru-RU" sz="1200" kern="1200" dirty="0" smtClean="0">
+                <a:solidFill>
+                  <a:schemeClr val="tx1"/>
+                </a:solidFill>
+                <a:effectLst/>
+                <a:latin typeface="+mn-lt"/>
+                <a:ea typeface="+mn-ea"/>
+                <a:cs typeface="+mn-cs"/>
+              </a:rPr>
+              <a:t>Для проверки нормальности распределения стандартно использовали критерии:</a:t>
+            </a:r>
+            <a:endParaRPr lang="en-US" sz="1200" kern="1200" dirty="0" smtClean="0">
+              <a:solidFill>
+                <a:schemeClr val="tx1"/>
+              </a:solidFill>
+              <a:effectLst/>
+              <a:latin typeface="+mn-lt"/>
+              <a:ea typeface="+mn-ea"/>
+              <a:cs typeface="+mn-cs"/>
+            </a:endParaRPr>
+          </a:p>
+          <a:p>
+            <a:pPr lvl="0"/>
+            <a:r>
+              <a:rPr lang="ru-RU" sz="1200" kern="1200" dirty="0" smtClean="0">
+                <a:solidFill>
+                  <a:schemeClr val="tx1"/>
+                </a:solidFill>
+                <a:effectLst/>
+                <a:latin typeface="+mn-lt"/>
+                <a:ea typeface="+mn-ea"/>
+                <a:cs typeface="+mn-cs"/>
+              </a:rPr>
+              <a:t>Хи-квадрат </a:t>
+            </a:r>
+            <a:r>
+              <a:rPr lang="en-US" sz="1200" i="1" kern="1200" dirty="0" smtClean="0">
+                <a:solidFill>
+                  <a:schemeClr val="tx1"/>
+                </a:solidFill>
+                <a:effectLst/>
+                <a:latin typeface="+mn-lt"/>
+                <a:ea typeface="+mn-ea"/>
+                <a:cs typeface="+mn-cs"/>
+              </a:rPr>
+              <a:t> </a:t>
+            </a:r>
+            <a:endParaRPr lang="en-US" sz="1200" kern="1200" dirty="0" smtClean="0">
+              <a:solidFill>
+                <a:schemeClr val="tx1"/>
+              </a:solidFill>
+              <a:effectLst/>
+              <a:latin typeface="+mn-lt"/>
+              <a:ea typeface="+mn-ea"/>
+              <a:cs typeface="+mn-cs"/>
+            </a:endParaRPr>
+          </a:p>
+          <a:p>
+            <a:pPr lvl="0"/>
+            <a:r>
+              <a:rPr lang="ru-RU" sz="1200" kern="1200" dirty="0" smtClean="0">
+                <a:solidFill>
+                  <a:schemeClr val="tx1"/>
+                </a:solidFill>
+                <a:effectLst/>
+                <a:latin typeface="+mn-lt"/>
+                <a:ea typeface="+mn-ea"/>
+                <a:cs typeface="+mn-cs"/>
+              </a:rPr>
+              <a:t>Колмогорова-Смирнова  </a:t>
+            </a:r>
+            <a:r>
+              <a:rPr lang="en-US" sz="1200" kern="1200" dirty="0" smtClean="0">
+                <a:solidFill>
+                  <a:schemeClr val="tx1"/>
+                </a:solidFill>
+                <a:effectLst/>
+                <a:latin typeface="+mn-lt"/>
+                <a:ea typeface="+mn-ea"/>
+                <a:cs typeface="+mn-cs"/>
+              </a:rPr>
+              <a:t> </a:t>
+            </a:r>
+          </a:p>
+          <a:p>
+            <a:pPr lvl="0"/>
+            <a:r>
+              <a:rPr lang="ru-RU" sz="1200" kern="1200" dirty="0" smtClean="0">
+                <a:solidFill>
+                  <a:schemeClr val="tx1"/>
+                </a:solidFill>
+                <a:effectLst/>
+                <a:latin typeface="+mn-lt"/>
+                <a:ea typeface="+mn-ea"/>
+                <a:cs typeface="+mn-cs"/>
+              </a:rPr>
+              <a:t>Лиллифорс </a:t>
+            </a:r>
+            <a:r>
+              <a:rPr lang="en-US" sz="1200" kern="1200" dirty="0" smtClean="0">
+                <a:solidFill>
+                  <a:schemeClr val="tx1"/>
+                </a:solidFill>
+                <a:effectLst/>
+                <a:latin typeface="+mn-lt"/>
+                <a:ea typeface="+mn-ea"/>
+                <a:cs typeface="+mn-cs"/>
+              </a:rPr>
+              <a:t> </a:t>
+            </a:r>
+          </a:p>
+          <a:p>
+            <a:pPr lvl="0"/>
+            <a:r>
+              <a:rPr lang="ru-RU" sz="1200" kern="1200" dirty="0" smtClean="0">
+                <a:solidFill>
+                  <a:schemeClr val="tx1"/>
+                </a:solidFill>
+                <a:effectLst/>
+                <a:latin typeface="+mn-lt"/>
+                <a:ea typeface="+mn-ea"/>
+                <a:cs typeface="+mn-cs"/>
+              </a:rPr>
+              <a:t>Шапиро-Уилка </a:t>
+            </a:r>
+            <a:r>
+              <a:rPr lang="en-US" sz="1200" i="1" kern="1200" dirty="0" smtClean="0">
+                <a:solidFill>
+                  <a:schemeClr val="tx1"/>
+                </a:solidFill>
+                <a:effectLst/>
+                <a:latin typeface="+mn-lt"/>
+                <a:ea typeface="+mn-ea"/>
+                <a:cs typeface="+mn-cs"/>
+              </a:rPr>
+              <a:t> </a:t>
+            </a:r>
+            <a:endParaRPr lang="en-US" sz="1200" kern="1200" dirty="0" smtClean="0">
+              <a:solidFill>
+                <a:schemeClr val="tx1"/>
+              </a:solidFill>
+              <a:effectLst/>
+              <a:latin typeface="+mn-lt"/>
+              <a:ea typeface="+mn-ea"/>
+              <a:cs typeface="+mn-cs"/>
+            </a:endParaRPr>
+          </a:p>
+          <a:p>
             <a:endParaRPr lang="en-US" dirty="0"/>
           </a:p>
         </p:txBody>
@@ -2018,7 +2354,186 @@
           <a:bodyPr/>
           <a:lstStyle/>
           <a:p>
-            <a:endParaRPr lang="en-US"/>
+            <a:pPr marL="0" marR="0" lvl="0" indent="0" algn="l" defTabSz="914400" rtl="0" eaLnBrk="1" fontAlgn="auto" latinLnBrk="0" hangingPunct="1">
+              <a:lnSpc>
+                <a:spcPct val="100000"/>
+              </a:lnSpc>
+              <a:spcBef>
+                <a:spcPts val="0"/>
+              </a:spcBef>
+              <a:spcAft>
+                <a:spcPts val="0"/>
+              </a:spcAft>
+              <a:buClrTx/>
+              <a:buSzTx/>
+              <a:buFontTx/>
+              <a:buNone/>
+              <a:tabLst/>
+              <a:defRPr/>
+            </a:pPr>
+            <a:r>
+              <a:rPr lang="ru-RU" sz="1200" kern="1200" baseline="0" dirty="0" smtClean="0">
+                <a:solidFill>
+                  <a:schemeClr val="tx1"/>
+                </a:solidFill>
+                <a:effectLst/>
+                <a:latin typeface="+mn-lt"/>
+                <a:ea typeface="+mn-ea"/>
+                <a:cs typeface="+mn-cs"/>
+              </a:rPr>
+              <a:t>Провели с</a:t>
+            </a:r>
+            <a:r>
+              <a:rPr lang="ru-RU" sz="1200" kern="1200" dirty="0" smtClean="0">
+                <a:solidFill>
+                  <a:schemeClr val="tx1"/>
+                </a:solidFill>
+                <a:effectLst/>
+                <a:latin typeface="+mn-lt"/>
+                <a:ea typeface="+mn-ea"/>
+                <a:cs typeface="+mn-cs"/>
+              </a:rPr>
+              <a:t>пектральный</a:t>
+            </a:r>
+            <a:r>
+              <a:rPr lang="ru-RU" sz="1200" kern="1200" baseline="0" dirty="0" smtClean="0">
+                <a:solidFill>
+                  <a:schemeClr val="tx1"/>
+                </a:solidFill>
+                <a:effectLst/>
+                <a:latin typeface="+mn-lt"/>
+                <a:ea typeface="+mn-ea"/>
+                <a:cs typeface="+mn-cs"/>
+              </a:rPr>
+              <a:t> анализ.</a:t>
+            </a:r>
+            <a:r>
+              <a:rPr lang="ru-RU" sz="1200" kern="1200" dirty="0" smtClean="0">
+                <a:solidFill>
+                  <a:schemeClr val="tx1"/>
+                </a:solidFill>
+                <a:effectLst/>
+                <a:latin typeface="+mn-lt"/>
+                <a:ea typeface="+mn-ea"/>
+                <a:cs typeface="+mn-cs"/>
+              </a:rPr>
+              <a:t> Выявили</a:t>
+            </a:r>
+            <a:r>
+              <a:rPr lang="ru-RU" sz="1200" kern="1200" baseline="0" dirty="0" smtClean="0">
+                <a:solidFill>
+                  <a:schemeClr val="tx1"/>
+                </a:solidFill>
+                <a:effectLst/>
+                <a:latin typeface="+mn-lt"/>
+                <a:ea typeface="+mn-ea"/>
+                <a:cs typeface="+mn-cs"/>
+              </a:rPr>
+              <a:t> наличие регулярной периодической компоненты.</a:t>
+            </a:r>
+          </a:p>
+          <a:p>
+            <a:r>
+              <a:rPr lang="en-US" sz="1200" kern="1200" dirty="0" smtClean="0">
+                <a:solidFill>
+                  <a:schemeClr val="tx1"/>
+                </a:solidFill>
+                <a:effectLst/>
+                <a:latin typeface="+mn-lt"/>
+                <a:ea typeface="+mn-ea"/>
+                <a:cs typeface="+mn-cs"/>
+              </a:rPr>
+              <a:t/>
+            </a:r>
+            <a:br>
+              <a:rPr lang="en-US" sz="1200" kern="1200" dirty="0" smtClean="0">
+                <a:solidFill>
+                  <a:schemeClr val="tx1"/>
+                </a:solidFill>
+                <a:effectLst/>
+                <a:latin typeface="+mn-lt"/>
+                <a:ea typeface="+mn-ea"/>
+                <a:cs typeface="+mn-cs"/>
+              </a:rPr>
+            </a:br>
+            <a:r>
+              <a:rPr lang="ru-RU" sz="1200" kern="1200" dirty="0" smtClean="0">
+                <a:solidFill>
+                  <a:schemeClr val="tx1"/>
+                </a:solidFill>
+                <a:effectLst/>
+                <a:latin typeface="+mn-lt"/>
+                <a:ea typeface="+mn-ea"/>
+                <a:cs typeface="+mn-cs"/>
+              </a:rPr>
+              <a:t>Вычислили </a:t>
+            </a:r>
+            <a:r>
+              <a:rPr lang="ru-RU" sz="1200" dirty="0" smtClean="0">
+                <a:latin typeface="Times New Roman" panose="02020603050405020304" pitchFamily="18" charset="0"/>
+                <a:cs typeface="Times New Roman" panose="02020603050405020304" pitchFamily="18" charset="0"/>
+              </a:rPr>
+              <a:t>корреляционную функцию рисунок 3</a:t>
+            </a:r>
+            <a:r>
+              <a:rPr lang="ru-RU" sz="1200" kern="1200" dirty="0" smtClean="0">
+                <a:solidFill>
+                  <a:schemeClr val="tx1"/>
+                </a:solidFill>
+                <a:effectLst/>
+                <a:latin typeface="+mn-lt"/>
+                <a:ea typeface="+mn-ea"/>
+                <a:cs typeface="+mn-cs"/>
+              </a:rPr>
+              <a:t>. Наш дискретных случай схож с непрерывным случаем для гармонического процесса. </a:t>
+            </a:r>
+          </a:p>
+          <a:p>
+            <a:r>
+              <a:rPr lang="ru-RU" sz="1200" kern="1200" dirty="0" smtClean="0">
+                <a:solidFill>
+                  <a:schemeClr val="tx1"/>
+                </a:solidFill>
+                <a:effectLst/>
+                <a:latin typeface="+mn-lt"/>
+                <a:ea typeface="+mn-ea"/>
+                <a:cs typeface="+mn-cs"/>
+              </a:rPr>
+              <a:t>Плавно затухающий график нормированной ковариационной функции на рисунке 3 характеризует ряд: наличие тренда</a:t>
+            </a:r>
+            <a:r>
+              <a:rPr lang="ru-RU" sz="1200" kern="1200" baseline="0" dirty="0" smtClean="0">
+                <a:solidFill>
+                  <a:schemeClr val="tx1"/>
+                </a:solidFill>
+                <a:effectLst/>
+                <a:latin typeface="+mn-lt"/>
+                <a:ea typeface="+mn-ea"/>
+                <a:cs typeface="+mn-cs"/>
+              </a:rPr>
+              <a:t> и</a:t>
+            </a:r>
+            <a:r>
+              <a:rPr lang="ru-RU" sz="1200" kern="1200" dirty="0" smtClean="0">
+                <a:solidFill>
+                  <a:schemeClr val="tx1"/>
+                </a:solidFill>
+                <a:effectLst/>
+                <a:latin typeface="+mn-lt"/>
+                <a:ea typeface="+mn-ea"/>
+                <a:cs typeface="+mn-cs"/>
+              </a:rPr>
+              <a:t> сезонности</a:t>
+            </a:r>
+            <a:endParaRPr lang="en-US" sz="1200" kern="1200" dirty="0">
+              <a:solidFill>
+                <a:schemeClr val="tx1"/>
+              </a:solidFill>
+              <a:effectLst/>
+              <a:latin typeface="+mn-lt"/>
+              <a:ea typeface="+mn-ea"/>
+              <a:cs typeface="+mn-cs"/>
+            </a:endParaRPr>
           </a:p>
         </p:txBody>
       </p:sp>
@@ -2103,6 +2618,81 @@
           <a:bodyPr/>
           <a:lstStyle/>
           <a:p>
+            <a:pPr marL="0" marR="0" lvl="0" indent="0" algn="l" defTabSz="914400" rtl="0" eaLnBrk="1" fontAlgn="auto" latinLnBrk="0" hangingPunct="1">
+              <a:lnSpc>
+                <a:spcPct val="100000"/>
+              </a:lnSpc>
+              <a:spcBef>
+                <a:spcPts val="0"/>
+              </a:spcBef>
+              <a:spcAft>
+                <a:spcPts val="0"/>
+              </a:spcAft>
+              <a:buClrTx/>
+              <a:buSzTx/>
+              <a:buFontTx/>
+              <a:buNone/>
+              <a:tabLst/>
+              <a:defRPr/>
+            </a:pPr>
+            <a:r>
+              <a:rPr lang="ru-RU" sz="1200" kern="1200" baseline="0" dirty="0" smtClean="0">
+                <a:solidFill>
+                  <a:schemeClr val="tx1"/>
+                </a:solidFill>
+                <a:effectLst/>
+                <a:latin typeface="+mn-lt"/>
+                <a:ea typeface="+mn-ea"/>
+                <a:cs typeface="+mn-cs"/>
+              </a:rPr>
+              <a:t>Подтвердили наличие регулярной периодической компоненты.</a:t>
+            </a:r>
+            <a:r>
+              <a:rPr lang="ru-RU" sz="1200" kern="1200" dirty="0" smtClean="0">
+                <a:solidFill>
+                  <a:schemeClr val="tx1"/>
+                </a:solidFill>
+                <a:effectLst/>
+                <a:latin typeface="+mn-lt"/>
+                <a:ea typeface="+mn-ea"/>
+                <a:cs typeface="+mn-cs"/>
+              </a:rPr>
+              <a:t/>
+            </a:r>
+            <a:br>
+              <a:rPr lang="ru-RU" sz="1200" kern="1200" dirty="0" smtClean="0">
+                <a:solidFill>
+                  <a:schemeClr val="tx1"/>
+                </a:solidFill>
+                <a:effectLst/>
+                <a:latin typeface="+mn-lt"/>
+                <a:ea typeface="+mn-ea"/>
+                <a:cs typeface="+mn-cs"/>
+              </a:rPr>
+            </a:br>
+            <a:r>
+              <a:rPr lang="ru-RU" sz="1200" kern="1200" dirty="0" smtClean="0">
+                <a:solidFill>
+                  <a:schemeClr val="tx1"/>
+                </a:solidFill>
+                <a:effectLst/>
+                <a:latin typeface="+mn-lt"/>
+                <a:ea typeface="+mn-ea"/>
+                <a:cs typeface="+mn-cs"/>
+              </a:rPr>
+              <a:t>На рисунке 5 изображен график спектральной плотности. Наблюдается одно пиковое значение (≈1449.5). Полученная спектральная плотность и спектральная плотность гармонического процесса  имеют схожий вид.</a:t>
+            </a:r>
+            <a:endParaRPr lang="en-US" sz="1200" kern="1200" dirty="0" smtClean="0">
+              <a:solidFill>
+                <a:schemeClr val="tx1"/>
+              </a:solidFill>
+              <a:effectLst/>
+              <a:latin typeface="+mn-lt"/>
+              <a:ea typeface="+mn-ea"/>
+              <a:cs typeface="+mn-cs"/>
+            </a:endParaRPr>
+          </a:p>
+          <a:p>
             <a:endParaRPr lang="en-US" dirty="0"/>
           </a:p>
         </p:txBody>
@@ -2188,6 +2778,65 @@
           <a:bodyPr/>
           <a:lstStyle/>
           <a:p>
+            <a:r>
+              <a:rPr lang="ru-RU" sz="1200" kern="1200" dirty="0" smtClean="0">
+                <a:solidFill>
+                  <a:schemeClr val="tx1"/>
+                </a:solidFill>
+                <a:effectLst/>
+                <a:latin typeface="+mn-lt"/>
+                <a:ea typeface="+mn-ea"/>
+                <a:cs typeface="+mn-cs"/>
+              </a:rPr>
+              <a:t>Нашли</a:t>
+            </a:r>
+            <a:r>
+              <a:rPr lang="ru-RU" sz="1200" kern="1200" baseline="0" dirty="0" smtClean="0">
+                <a:solidFill>
+                  <a:schemeClr val="tx1"/>
+                </a:solidFill>
+                <a:effectLst/>
+                <a:latin typeface="+mn-lt"/>
+                <a:ea typeface="+mn-ea"/>
+                <a:cs typeface="+mn-cs"/>
+              </a:rPr>
+              <a:t> период равный 6.</a:t>
+            </a:r>
+            <a:r>
+              <a:rPr lang="ru-RU" sz="1200" kern="1200" dirty="0" smtClean="0">
+                <a:solidFill>
+                  <a:schemeClr val="tx1"/>
+                </a:solidFill>
+                <a:effectLst/>
+                <a:latin typeface="+mn-lt"/>
+                <a:ea typeface="+mn-ea"/>
+                <a:cs typeface="+mn-cs"/>
+              </a:rPr>
+              <a:t/>
+            </a:r>
+            <a:br>
+              <a:rPr lang="ru-RU" sz="1200" kern="1200" dirty="0" smtClean="0">
+                <a:solidFill>
+                  <a:schemeClr val="tx1"/>
+                </a:solidFill>
+                <a:effectLst/>
+                <a:latin typeface="+mn-lt"/>
+                <a:ea typeface="+mn-ea"/>
+                <a:cs typeface="+mn-cs"/>
+              </a:rPr>
+            </a:br>
+            <a:r>
+              <a:rPr lang="ru-RU" sz="1200" kern="1200" dirty="0" smtClean="0">
+                <a:solidFill>
+                  <a:schemeClr val="tx1"/>
+                </a:solidFill>
+                <a:effectLst/>
+                <a:latin typeface="+mn-lt"/>
+                <a:ea typeface="+mn-ea"/>
+                <a:cs typeface="+mn-cs"/>
+              </a:rPr>
+              <a:t>На рисунке с периодограммой: узкий высокий пик свидетельствует о наличии регулярного цикла. Значительно превосходит другие величина (≈ 3227) с периодом  6. График служит подтверждению того, что в ряду наблюдается тренд с периодом 6.</a:t>
+            </a:r>
             <a:endParaRPr lang="en-US" dirty="0"/>
           </a:p>
         </p:txBody>
@@ -2210,7 +2859,7 @@
             <a:fld id="{5482F83E-882B-4775-9577-1BA1E17C6FBA}" type="slidenum">
               <a:rPr lang="en-US" smtClean="0"/>
               <a:pPr/>
-              <a:t>8</a:t>
+              <a:t>6</a:t>
             </a:fld>
             <a:endParaRPr lang="en-US"/>
           </a:p>
@@ -2219,7 +2868,7 @@
     </p:spTree>
     <p:extLst>
       <p:ext uri="{BB962C8B-B14F-4D97-AF65-F5344CB8AC3E}">
-        <p14:creationId xmlns:p14="http://schemas.microsoft.com/office/powerpoint/2010/main" val="2248055051"/>
+        <p14:creationId xmlns:p14="http://schemas.microsoft.com/office/powerpoint/2010/main" val="3091930208"/>
       </p:ext>
     </p:extLst>
   </p:cSld>
@@ -2273,7 +2922,165 @@
           <a:bodyPr/>
           <a:lstStyle/>
           <a:p>
-            <a:endParaRPr lang="en-US" dirty="0"/>
+            <a:r>
+              <a:rPr lang="ru-RU" sz="1200" kern="1200" dirty="0" smtClean="0">
+                <a:solidFill>
+                  <a:schemeClr val="tx1"/>
+                </a:solidFill>
+                <a:effectLst/>
+                <a:latin typeface="+mn-lt"/>
+                <a:ea typeface="+mn-ea"/>
+                <a:cs typeface="+mn-cs"/>
+              </a:rPr>
+              <a:t>Аддитивная</a:t>
+            </a:r>
+            <a:r>
+              <a:rPr lang="ru-RU" sz="1200" kern="1200" baseline="0" dirty="0" smtClean="0">
+                <a:solidFill>
+                  <a:schemeClr val="tx1"/>
+                </a:solidFill>
+                <a:effectLst/>
+                <a:latin typeface="+mn-lt"/>
+                <a:ea typeface="+mn-ea"/>
+                <a:cs typeface="+mn-cs"/>
+              </a:rPr>
+              <a:t> модель.</a:t>
+            </a:r>
+            <a:r>
+              <a:rPr lang="ru-RU" sz="1200" kern="1200" dirty="0" smtClean="0">
+                <a:solidFill>
+                  <a:schemeClr val="tx1"/>
+                </a:solidFill>
+                <a:effectLst/>
+                <a:latin typeface="+mn-lt"/>
+                <a:ea typeface="+mn-ea"/>
+                <a:cs typeface="+mn-cs"/>
+              </a:rPr>
+              <a:t> </a:t>
+            </a:r>
+            <a:br>
+              <a:rPr lang="ru-RU" sz="1200" kern="1200" dirty="0" smtClean="0">
+                <a:solidFill>
+                  <a:schemeClr val="tx1"/>
+                </a:solidFill>
+                <a:effectLst/>
+                <a:latin typeface="+mn-lt"/>
+                <a:ea typeface="+mn-ea"/>
+                <a:cs typeface="+mn-cs"/>
+              </a:rPr>
+            </a:br>
+            <a:r>
+              <a:rPr lang="ru-RU" sz="1200" dirty="0" smtClean="0">
+                <a:latin typeface="Times New Roman" panose="02020603050405020304" pitchFamily="18" charset="0"/>
+                <a:cs typeface="Times New Roman" panose="02020603050405020304" pitchFamily="18" charset="0"/>
+              </a:rPr>
+              <a:t>Расширенный тест Дики – Фуллера покзал: с </a:t>
+            </a:r>
+            <a:r>
+              <a:rPr lang="ru-RU" sz="1200" kern="1200" dirty="0" smtClean="0">
+                <a:solidFill>
+                  <a:schemeClr val="tx1"/>
+                </a:solidFill>
+                <a:effectLst/>
+                <a:latin typeface="+mn-lt"/>
+                <a:ea typeface="+mn-ea"/>
+                <a:cs typeface="+mn-cs"/>
+              </a:rPr>
+              <a:t>уровнем значимости 0.01, ошибку  </a:t>
+            </a:r>
+            <a:r>
+              <a:rPr lang="en-US" sz="1200" kern="1200" dirty="0" smtClean="0">
+                <a:solidFill>
+                  <a:schemeClr val="tx1"/>
+                </a:solidFill>
+                <a:effectLst/>
+                <a:latin typeface="+mn-lt"/>
+                <a:ea typeface="+mn-ea"/>
+                <a:cs typeface="+mn-cs"/>
+              </a:rPr>
+              <a:t>e</a:t>
+            </a:r>
+            <a:r>
+              <a:rPr lang="ru-RU" sz="1200" kern="1200" dirty="0" smtClean="0">
+                <a:solidFill>
+                  <a:schemeClr val="tx1"/>
+                </a:solidFill>
+                <a:effectLst/>
+                <a:latin typeface="+mn-lt"/>
+                <a:ea typeface="+mn-ea"/>
+                <a:cs typeface="+mn-cs"/>
+              </a:rPr>
+              <a:t>(</a:t>
+            </a:r>
+            <a:r>
+              <a:rPr lang="en-US" sz="1200" kern="1200" dirty="0" smtClean="0">
+                <a:solidFill>
+                  <a:schemeClr val="tx1"/>
+                </a:solidFill>
+                <a:effectLst/>
+                <a:latin typeface="+mn-lt"/>
+                <a:ea typeface="+mn-ea"/>
+                <a:cs typeface="+mn-cs"/>
+              </a:rPr>
+              <a:t>t</a:t>
+            </a:r>
+            <a:r>
+              <a:rPr lang="ru-RU" sz="1200" kern="1200" dirty="0" smtClean="0">
+                <a:solidFill>
+                  <a:schemeClr val="tx1"/>
+                </a:solidFill>
+                <a:effectLst/>
+                <a:latin typeface="+mn-lt"/>
+                <a:ea typeface="+mn-ea"/>
+                <a:cs typeface="+mn-cs"/>
+              </a:rPr>
+              <a:t>)</a:t>
+            </a:r>
+            <a:r>
+              <a:rPr lang="en-US" sz="1200" kern="1200" dirty="0" smtClean="0">
+                <a:solidFill>
+                  <a:schemeClr val="tx1"/>
+                </a:solidFill>
+                <a:effectLst/>
+                <a:latin typeface="+mn-lt"/>
+                <a:ea typeface="+mn-ea"/>
+                <a:cs typeface="+mn-cs"/>
+              </a:rPr>
+              <a:t> </a:t>
+            </a:r>
+            <a:r>
+              <a:rPr lang="ru-RU" sz="1200" kern="1200" dirty="0" smtClean="0">
+                <a:solidFill>
+                  <a:schemeClr val="tx1"/>
+                </a:solidFill>
+                <a:effectLst/>
+                <a:latin typeface="+mn-lt"/>
+                <a:ea typeface="+mn-ea"/>
+                <a:cs typeface="+mn-cs"/>
+              </a:rPr>
+              <a:t>можно считать стационарной. Поэтому</a:t>
+            </a:r>
+            <a:r>
+              <a:rPr lang="ru-RU" sz="1200" kern="1200" baseline="0" dirty="0" smtClean="0">
+                <a:solidFill>
+                  <a:schemeClr val="tx1"/>
+                </a:solidFill>
+                <a:effectLst/>
+                <a:latin typeface="+mn-lt"/>
+                <a:ea typeface="+mn-ea"/>
+                <a:cs typeface="+mn-cs"/>
+              </a:rPr>
+              <a:t> выбрали аддитивную модель: сумма периодического тренда и ошибки. </a:t>
+            </a:r>
+            <a:endParaRPr lang="en-US" sz="1200" kern="1200" dirty="0">
+              <a:solidFill>
+                <a:schemeClr val="tx1"/>
+              </a:solidFill>
+              <a:effectLst/>
+              <a:latin typeface="+mn-lt"/>
+              <a:ea typeface="+mn-ea"/>
+              <a:cs typeface="+mn-cs"/>
+            </a:endParaRPr>
           </a:p>
         </p:txBody>
       </p:sp>
@@ -2295,7 +3102,7 @@
             <a:fld id="{5482F83E-882B-4775-9577-1BA1E17C6FBA}" type="slidenum">
               <a:rPr lang="en-US" smtClean="0"/>
               <a:pPr/>
-              <a:t>9</a:t>
+              <a:t>7</a:t>
             </a:fld>
             <a:endParaRPr lang="en-US"/>
           </a:p>
@@ -2304,7 +3111,7 @@
     </p:spTree>
     <p:extLst>
       <p:ext uri="{BB962C8B-B14F-4D97-AF65-F5344CB8AC3E}">
-        <p14:creationId xmlns:p14="http://schemas.microsoft.com/office/powerpoint/2010/main" val="464712381"/>
+        <p14:creationId xmlns:p14="http://schemas.microsoft.com/office/powerpoint/2010/main" val="3554659700"/>
       </p:ext>
     </p:extLst>
   </p:cSld>
@@ -2358,6 +3165,128 @@
           <a:bodyPr/>
           <a:lstStyle/>
           <a:p>
+            <a:r>
+              <a:rPr lang="ru-RU" sz="1200" kern="1200" dirty="0" smtClean="0">
+                <a:solidFill>
+                  <a:schemeClr val="tx1"/>
+                </a:solidFill>
+                <a:effectLst/>
+                <a:latin typeface="+mn-lt"/>
+                <a:ea typeface="+mn-ea"/>
+                <a:cs typeface="+mn-cs"/>
+              </a:rPr>
+              <a:t>Провели гармонический анализ для выделения периодического тренда. </a:t>
+            </a:r>
+          </a:p>
+          <a:p>
+            <a:r>
+              <a:rPr lang="ru-RU" sz="1200" kern="1200" dirty="0" smtClean="0">
+                <a:solidFill>
+                  <a:schemeClr val="tx1"/>
+                </a:solidFill>
+                <a:effectLst/>
+                <a:latin typeface="+mn-lt"/>
+                <a:ea typeface="+mn-ea"/>
+                <a:cs typeface="+mn-cs"/>
+              </a:rPr>
+              <a:t/>
+            </a:r>
+            <a:br>
+              <a:rPr lang="ru-RU" sz="1200" kern="1200" dirty="0" smtClean="0">
+                <a:solidFill>
+                  <a:schemeClr val="tx1"/>
+                </a:solidFill>
+                <a:effectLst/>
+                <a:latin typeface="+mn-lt"/>
+                <a:ea typeface="+mn-ea"/>
+                <a:cs typeface="+mn-cs"/>
+              </a:rPr>
+            </a:br>
+            <a:r>
+              <a:rPr lang="ru-RU" sz="1200" kern="1200" dirty="0" smtClean="0">
+                <a:solidFill>
+                  <a:schemeClr val="tx1"/>
+                </a:solidFill>
+                <a:effectLst/>
+                <a:latin typeface="+mn-lt"/>
+                <a:ea typeface="+mn-ea"/>
+                <a:cs typeface="+mn-cs"/>
+              </a:rPr>
+              <a:t>Для  гармонического</a:t>
+            </a:r>
+            <a:r>
+              <a:rPr lang="ru-RU" sz="1200" kern="1200" baseline="0" dirty="0" smtClean="0">
+                <a:solidFill>
+                  <a:schemeClr val="tx1"/>
+                </a:solidFill>
+                <a:effectLst/>
+                <a:latin typeface="+mn-lt"/>
+                <a:ea typeface="+mn-ea"/>
+                <a:cs typeface="+mn-cs"/>
+              </a:rPr>
+              <a:t> </a:t>
+            </a:r>
+            <a:r>
+              <a:rPr lang="ru-RU" sz="1200" kern="1200" dirty="0" smtClean="0">
+                <a:solidFill>
+                  <a:schemeClr val="tx1"/>
+                </a:solidFill>
+                <a:effectLst/>
+                <a:latin typeface="+mn-lt"/>
+                <a:ea typeface="+mn-ea"/>
+                <a:cs typeface="+mn-cs"/>
+              </a:rPr>
+              <a:t>анализа выборки использовали 198 значений. Две основные</a:t>
+            </a:r>
+            <a:r>
+              <a:rPr lang="ru-RU" sz="1200" kern="1200" baseline="0" dirty="0" smtClean="0">
+                <a:solidFill>
+                  <a:schemeClr val="tx1"/>
+                </a:solidFill>
+                <a:effectLst/>
+                <a:latin typeface="+mn-lt"/>
+                <a:ea typeface="+mn-ea"/>
+                <a:cs typeface="+mn-cs"/>
+              </a:rPr>
+              <a:t> гармоники с наибольшей дисперсией вошли  в модель тернда. </a:t>
+            </a:r>
+          </a:p>
+          <a:p>
+            <a:r>
+              <a:rPr lang="ru-RU" sz="1200" kern="1200" baseline="0" dirty="0" smtClean="0">
+                <a:solidFill>
+                  <a:schemeClr val="tx1"/>
+                </a:solidFill>
+                <a:effectLst/>
+                <a:latin typeface="+mn-lt"/>
+                <a:ea typeface="+mn-ea"/>
+                <a:cs typeface="+mn-cs"/>
+              </a:rPr>
+              <a:t>Добавили гармоники с меньшей дисперсией, это внесло лишнию погрешность в модель.</a:t>
+            </a:r>
+            <a:br>
+              <a:rPr lang="ru-RU" sz="1200" kern="1200" baseline="0" dirty="0" smtClean="0">
+                <a:solidFill>
+                  <a:schemeClr val="tx1"/>
+                </a:solidFill>
+                <a:effectLst/>
+                <a:latin typeface="+mn-lt"/>
+                <a:ea typeface="+mn-ea"/>
+                <a:cs typeface="+mn-cs"/>
+              </a:rPr>
+            </a:br>
+            <a:r>
+              <a:rPr lang="ru-RU" sz="1200" kern="1200" baseline="0" dirty="0" smtClean="0">
+                <a:solidFill>
+                  <a:schemeClr val="tx1"/>
+                </a:solidFill>
+                <a:effectLst/>
+                <a:latin typeface="+mn-lt"/>
+                <a:ea typeface="+mn-ea"/>
+                <a:cs typeface="+mn-cs"/>
+              </a:rPr>
+              <a:t>Построили хороший прогноз на следющий год.</a:t>
+            </a:r>
             <a:endParaRPr lang="en-US" dirty="0"/>
           </a:p>
         </p:txBody>
@@ -2380,7 +3309,7 @@
             <a:fld id="{5482F83E-882B-4775-9577-1BA1E17C6FBA}" type="slidenum">
               <a:rPr lang="en-US" smtClean="0"/>
               <a:pPr/>
-              <a:t>10</a:t>
+              <a:t>8</a:t>
             </a:fld>
             <a:endParaRPr lang="en-US"/>
           </a:p>
@@ -2389,7 +3318,132 @@
     </p:spTree>
     <p:extLst>
       <p:ext uri="{BB962C8B-B14F-4D97-AF65-F5344CB8AC3E}">
-        <p14:creationId xmlns:p14="http://schemas.microsoft.com/office/powerpoint/2010/main" val="2094519474"/>
+        <p14:creationId xmlns:p14="http://schemas.microsoft.com/office/powerpoint/2010/main" val="2248055051"/>
+      </p:ext>
+    </p:extLst>
+  </p:cSld>
+  <p:clrMapOvr>
+    <a:masterClrMapping/>
+  </p:clrMapOvr>
+</p:notes>
+</file>
+
+<file path=ppt/notesSlides/notesSlide9.xml><?xml version="1.0" encoding="utf-8"?>
+<p:notes xmlns:a="http://schemas.openxmlformats.org/drawingml/2006/main" xmlns:r="http://schemas.openxmlformats.org/officeDocument/2006/relationships" xmlns:p="http://schemas.openxmlformats.org/presentationml/2006/main">
+  <p:cSld>
+    <p:spTree>
+      <p:nvGrpSpPr>
+        <p:cNvPr id="1" name=""/>
+        <p:cNvGrpSpPr/>
+        <p:nvPr/>
+      </p:nvGrpSpPr>
+      <p:grpSpPr>
+        <a:xfrm>
+          <a:off x="0" y="0"/>
+          <a:ext cx="0" cy="0"/>
+          <a:chOff x="0" y="0"/>
+          <a:chExt cx="0" cy="0"/>
+        </a:xfrm>
+      </p:grpSpPr>
+      <p:sp>
+        <p:nvSpPr>
+          <p:cNvPr id="2" name="Slide Image Placeholder 1"/>
+          <p:cNvSpPr>
+            <a:spLocks noGrp="1" noRot="1" noChangeAspect="1"/>
+          </p:cNvSpPr>
+          <p:nvPr>
+            <p:ph type="sldImg"/>
+          </p:nvPr>
+        </p:nvSpPr>
+        <p:spPr/>
+      </p:sp>
+      <p:sp>
+        <p:nvSpPr>
+          <p:cNvPr id="3" name="Notes Placeholder 2"/>
+          <p:cNvSpPr>
+            <a:spLocks noGrp="1"/>
+          </p:cNvSpPr>
+          <p:nvPr>
+            <p:ph type="body" idx="1"/>
+          </p:nvPr>
+        </p:nvSpPr>
+        <p:spPr/>
+        <p:txBody>
+          <a:bodyPr/>
+          <a:lstStyle/>
+          <a:p>
+            <a:pPr marL="0" marR="0" lvl="0" indent="0" algn="l" defTabSz="914400" rtl="0" eaLnBrk="1" fontAlgn="auto" latinLnBrk="0" hangingPunct="1">
+              <a:lnSpc>
+                <a:spcPct val="100000"/>
+              </a:lnSpc>
+              <a:spcBef>
+                <a:spcPts val="0"/>
+              </a:spcBef>
+              <a:spcAft>
+                <a:spcPts val="0"/>
+              </a:spcAft>
+              <a:buClrTx/>
+              <a:buSzTx/>
+              <a:buFontTx/>
+              <a:buNone/>
+              <a:tabLst/>
+              <a:defRPr/>
+            </a:pPr>
+            <a:r>
+              <a:rPr lang="ru-RU" sz="1200" kern="1200" dirty="0" smtClean="0">
+                <a:solidFill>
+                  <a:schemeClr val="tx1"/>
+                </a:solidFill>
+                <a:effectLst/>
+                <a:latin typeface="+mn-lt"/>
+                <a:ea typeface="+mn-ea"/>
+                <a:cs typeface="+mn-cs"/>
+              </a:rPr>
+              <a:t> ARIMA дал большую точность для построенного прогноза, как видно по рисункам и оценкам ошибок. Этому способствовало большая сложность модели и её применение для прогноза на короткий интервал времени. </a:t>
+            </a:r>
+            <a:br>
+              <a:rPr lang="ru-RU" sz="1200" kern="1200" dirty="0" smtClean="0">
+                <a:solidFill>
+                  <a:schemeClr val="tx1"/>
+                </a:solidFill>
+                <a:effectLst/>
+                <a:latin typeface="+mn-lt"/>
+                <a:ea typeface="+mn-ea"/>
+                <a:cs typeface="+mn-cs"/>
+              </a:rPr>
+            </a:br>
+            <a:endParaRPr lang="en-US" dirty="0"/>
+          </a:p>
+        </p:txBody>
+      </p:sp>
+      <p:sp>
+        <p:nvSpPr>
+          <p:cNvPr id="4" name="Slide Number Placeholder 3"/>
+          <p:cNvSpPr>
+            <a:spLocks noGrp="1"/>
+          </p:cNvSpPr>
+          <p:nvPr>
+            <p:ph type="sldNum" sz="quarter" idx="10"/>
+          </p:nvPr>
+        </p:nvSpPr>
+        <p:spPr/>
+        <p:txBody>
+          <a:bodyPr/>
+          <a:lstStyle/>
+          <a:p>
+            <a:fld id="{5482F83E-882B-4775-9577-1BA1E17C6FBA}" type="slidenum">
+              <a:rPr lang="en-US" smtClean="0"/>
+              <a:pPr/>
+              <a:t>9</a:t>
+            </a:fld>
+            <a:endParaRPr lang="en-US"/>
+          </a:p>
+        </p:txBody>
+      </p:sp>
+    </p:spTree>
+    <p:extLst>
+      <p:ext uri="{BB962C8B-B14F-4D97-AF65-F5344CB8AC3E}">
+        <p14:creationId xmlns:p14="http://schemas.microsoft.com/office/powerpoint/2010/main" val="464712381"/>
       </p:ext>
     </p:extLst>
   </p:cSld>
@@ -6625,18 +7679,6 @@
               </a:rPr>
               <a:t>Иван Юрьевич</a:t>
             </a:r>
-            <a:endParaRPr lang="ru-RU" sz="2400" spc="-1" dirty="0">
-              <a:solidFill>
-                <a:srgbClr val="000000"/>
-              </a:solidFill>
-              <a:uFill>
-                <a:solidFill>
-                  <a:srgbClr val="FFFFFF"/>
-                </a:solidFill>
-              </a:uFill>
-              <a:latin typeface="Times New Roman" panose="02020603050405020304" pitchFamily="18" charset="0"/>
-              <a:cs typeface="Times New Roman" panose="02020603050405020304" pitchFamily="18" charset="0"/>
-            </a:endParaRPr>
           </a:p>
         </p:txBody>
       </p:sp>
@@ -6717,7 +7759,7 @@
                 <a:latin typeface="Times New Roman" panose="02020603050405020304" pitchFamily="18" charset="0"/>
                 <a:cs typeface="Times New Roman" panose="02020603050405020304" pitchFamily="18" charset="0"/>
               </a:rPr>
-              <a:t>Вывод</a:t>
+              <a:t>заключение</a:t>
             </a:r>
             <a:endParaRPr lang="en-US" sz="3600" dirty="0">
               <a:latin typeface="Times New Roman" panose="02020603050405020304" pitchFamily="18" charset="0"/>
@@ -6892,10 +7934,10 @@
                 <a:latin typeface="Times New Roman" panose="02020603050405020304" pitchFamily="18" charset="0"/>
                 <a:cs typeface="Times New Roman" panose="02020603050405020304" pitchFamily="18" charset="0"/>
               </a:rPr>
-              <a:t>MAD  = </a:t>
-            </a:r>
-            <a:r>
-              <a:rPr lang="ru-RU" sz="2400" spc="-1" dirty="0" smtClean="0">
+              <a:t>MAD </a:t>
+            </a:r>
+            <a:r>
+              <a:rPr lang="en-US" sz="2400" spc="-1" dirty="0" smtClean="0">
                 <a:solidFill>
                   <a:srgbClr val="000000"/>
                 </a:solidFill>
@@ -6907,10 +7949,10 @@
                 <a:latin typeface="Times New Roman" panose="02020603050405020304" pitchFamily="18" charset="0"/>
                 <a:cs typeface="Times New Roman" panose="02020603050405020304" pitchFamily="18" charset="0"/>
               </a:rPr>
-              <a:t>7.22</a:t>
-            </a:r>
-            <a:r>
-              <a:rPr lang="en-US" sz="2400" spc="-1" dirty="0" smtClean="0">
+              <a:t>=</a:t>
+            </a:r>
+            <a:r>
+              <a:rPr lang="ru-RU" sz="2400" spc="-1" dirty="0" smtClean="0">
                 <a:solidFill>
                   <a:srgbClr val="000000"/>
                 </a:solidFill>
@@ -6922,10 +7964,10 @@
                 <a:latin typeface="Times New Roman" panose="02020603050405020304" pitchFamily="18" charset="0"/>
                 <a:cs typeface="Times New Roman" panose="02020603050405020304" pitchFamily="18" charset="0"/>
               </a:rPr>
-              <a:t>, </a:t>
-            </a:r>
-            <a:r>
-              <a:rPr lang="en-US" sz="2400" spc="-1" dirty="0">
+              <a:t> </a:t>
+            </a:r>
+            <a:r>
+              <a:rPr lang="ru-RU" sz="2400" spc="-1" dirty="0">
                 <a:solidFill>
                   <a:srgbClr val="000000"/>
                 </a:solidFill>
@@ -6937,10 +7979,10 @@
                 <a:latin typeface="Times New Roman" panose="02020603050405020304" pitchFamily="18" charset="0"/>
                 <a:cs typeface="Times New Roman" panose="02020603050405020304" pitchFamily="18" charset="0"/>
               </a:rPr>
-              <a:t>MSE = </a:t>
-            </a:r>
-            <a:r>
-              <a:rPr lang="ru-RU" sz="2400" spc="-1" dirty="0" smtClean="0">
+              <a:t>2.30</a:t>
+            </a:r>
+            <a:r>
+              <a:rPr lang="en-US" sz="2400" spc="-1" dirty="0" smtClean="0">
                 <a:solidFill>
                   <a:srgbClr val="000000"/>
                 </a:solidFill>
@@ -6952,10 +7994,10 @@
                 <a:latin typeface="Times New Roman" panose="02020603050405020304" pitchFamily="18" charset="0"/>
                 <a:cs typeface="Times New Roman" panose="02020603050405020304" pitchFamily="18" charset="0"/>
               </a:rPr>
-              <a:t>2.30</a:t>
-            </a:r>
-            <a:r>
-              <a:rPr lang="en-US" sz="2400" spc="-1" dirty="0" smtClean="0">
+              <a:t>, </a:t>
+            </a:r>
+            <a:r>
+              <a:rPr lang="ru-RU" sz="2400" spc="-1" dirty="0" smtClean="0">
                 <a:solidFill>
                   <a:srgbClr val="000000"/>
                 </a:solidFill>
@@ -6968,6 +8010,51 @@
                 <a:cs typeface="Times New Roman" panose="02020603050405020304" pitchFamily="18" charset="0"/>
               </a:rPr>
               <a:t> </a:t>
+            </a:r>
+            <a:r>
+              <a:rPr lang="en-US" sz="2400" spc="-1" dirty="0" smtClean="0">
+                <a:solidFill>
+                  <a:srgbClr val="000000"/>
+                </a:solidFill>
+                <a:uFill>
+                  <a:solidFill>
+                    <a:srgbClr val="FFFFFF"/>
+                  </a:solidFill>
+                </a:uFill>
+                <a:latin typeface="Times New Roman" panose="02020603050405020304" pitchFamily="18" charset="0"/>
+                <a:cs typeface="Times New Roman" panose="02020603050405020304" pitchFamily="18" charset="0"/>
+              </a:rPr>
+              <a:t>MSE </a:t>
+            </a:r>
+            <a:r>
+              <a:rPr lang="en-US" sz="2400" spc="-1" dirty="0">
+                <a:solidFill>
+                  <a:srgbClr val="000000"/>
+                </a:solidFill>
+                <a:uFill>
+                  <a:solidFill>
+                    <a:srgbClr val="FFFFFF"/>
+                  </a:solidFill>
+                </a:uFill>
+                <a:latin typeface="Times New Roman" panose="02020603050405020304" pitchFamily="18" charset="0"/>
+                <a:cs typeface="Times New Roman" panose="02020603050405020304" pitchFamily="18" charset="0"/>
+              </a:rPr>
+              <a:t>= </a:t>
+            </a:r>
+            <a:r>
+              <a:rPr lang="ru-RU" sz="2400" spc="-1" dirty="0" smtClean="0">
+                <a:solidFill>
+                  <a:srgbClr val="000000"/>
+                </a:solidFill>
+                <a:uFill>
+                  <a:solidFill>
+                    <a:srgbClr val="FFFFFF"/>
+                  </a:solidFill>
+                </a:uFill>
+                <a:latin typeface="Times New Roman" panose="02020603050405020304" pitchFamily="18" charset="0"/>
+                <a:cs typeface="Times New Roman" panose="02020603050405020304" pitchFamily="18" charset="0"/>
+              </a:rPr>
+              <a:t>7.22</a:t>
             </a:r>
             <a:endParaRPr lang="ru-RU" sz="2400" spc="-1" dirty="0" smtClean="0">
               <a:solidFill>
@@ -7056,18 +8143,7 @@
                 <a:ea typeface="Times New Roman" pitchFamily="18" charset="0"/>
                 <a:cs typeface="Times New Roman" panose="02020603050405020304" pitchFamily="18" charset="0"/>
               </a:rPr>
-              <a:t>более высокая </a:t>
-            </a:r>
-            <a:r>
-              <a:rPr lang="ru-RU" sz="2400" dirty="0" smtClean="0">
-                <a:solidFill>
-                  <a:srgbClr val="000000"/>
-                </a:solidFill>
-                <a:latin typeface="Times New Roman" panose="02020603050405020304" pitchFamily="18" charset="0"/>
-                <a:ea typeface="Times New Roman" pitchFamily="18" charset="0"/>
-                <a:cs typeface="Times New Roman" panose="02020603050405020304" pitchFamily="18" charset="0"/>
-              </a:rPr>
-              <a:t>точности у модели </a:t>
+              <a:t>более высокая точности у модели </a:t>
             </a:r>
             <a:r>
               <a:rPr lang="en-US" sz="2400" dirty="0" smtClean="0">
@@ -7113,7 +8189,40 @@
                 <a:ea typeface="Times New Roman" pitchFamily="18" charset="0"/>
                 <a:cs typeface="Times New Roman" panose="02020603050405020304" pitchFamily="18" charset="0"/>
               </a:rPr>
-              <a:t>при краткосрочном прогнозе используем </a:t>
+              <a:t>на</a:t>
+            </a:r>
+            <a:r>
+              <a:rPr lang="ru-RU" sz="2400" dirty="0" smtClean="0">
+                <a:solidFill>
+                  <a:srgbClr val="000000"/>
+                </a:solidFill>
+                <a:latin typeface="Times New Roman" panose="02020603050405020304" pitchFamily="18" charset="0"/>
+                <a:ea typeface="Times New Roman" pitchFamily="18" charset="0"/>
+                <a:cs typeface="Times New Roman" panose="02020603050405020304" pitchFamily="18" charset="0"/>
+              </a:rPr>
+              <a:t> краткосрочный прогноз </a:t>
+            </a:r>
+            <a:r>
+              <a:rPr lang="ru-RU" sz="2400" dirty="0" smtClean="0">
+                <a:solidFill>
+                  <a:srgbClr val="000000"/>
+                </a:solidFill>
+                <a:latin typeface="Times New Roman" panose="02020603050405020304" pitchFamily="18" charset="0"/>
+                <a:ea typeface="Times New Roman" pitchFamily="18" charset="0"/>
+                <a:cs typeface="Times New Roman" panose="02020603050405020304" pitchFamily="18" charset="0"/>
+              </a:rPr>
+              <a:t>использовали</a:t>
+            </a:r>
+            <a:r>
+              <a:rPr lang="ru-RU" sz="2400" dirty="0" smtClean="0">
+                <a:solidFill>
+                  <a:srgbClr val="000000"/>
+                </a:solidFill>
+                <a:latin typeface="Times New Roman" panose="02020603050405020304" pitchFamily="18" charset="0"/>
+                <a:ea typeface="Times New Roman" pitchFamily="18" charset="0"/>
+                <a:cs typeface="Times New Roman" panose="02020603050405020304" pitchFamily="18" charset="0"/>
+              </a:rPr>
+              <a:t> </a:t>
             </a:r>
             <a:r>
               <a:rPr lang="en-US" sz="2400" dirty="0" smtClean="0">
@@ -7151,7 +8260,7 @@
                 <a:ea typeface="Times New Roman" pitchFamily="18" charset="0"/>
                 <a:cs typeface="Times New Roman" panose="02020603050405020304" pitchFamily="18" charset="0"/>
               </a:rPr>
-              <a:t>п</a:t>
+              <a:t>прогноз на долгий период </a:t>
             </a:r>
             <a:r>
               <a:rPr lang="ru-RU" sz="2400" dirty="0" smtClean="0">
@@ -7162,7 +8271,18 @@
                 <a:ea typeface="Times New Roman" pitchFamily="18" charset="0"/>
                 <a:cs typeface="Times New Roman" panose="02020603050405020304" pitchFamily="18" charset="0"/>
               </a:rPr>
-              <a:t>рогноз на долгий период обеспечит гармонический анализ</a:t>
+              <a:t>обеспечил </a:t>
+            </a:r>
+            <a:r>
+              <a:rPr lang="ru-RU" sz="2400" dirty="0" smtClean="0">
+                <a:solidFill>
+                  <a:srgbClr val="000000"/>
+                </a:solidFill>
+                <a:latin typeface="Times New Roman" panose="02020603050405020304" pitchFamily="18" charset="0"/>
+                <a:ea typeface="Times New Roman" pitchFamily="18" charset="0"/>
+                <a:cs typeface="Times New Roman" panose="02020603050405020304" pitchFamily="18" charset="0"/>
+              </a:rPr>
+              <a:t>гармонический анализ</a:t>
             </a:r>
           </a:p>
         </p:txBody>
@@ -8000,83 +9120,6 @@
           </a:p>
         </p:txBody>
       </p:sp>
-      <p:pic>
-        <p:nvPicPr>
-          <p:cNvPr id="16" name="Picture 2"/>
-          <p:cNvPicPr/>
-          <p:nvPr/>
-        </p:nvPicPr>
-        <p:blipFill rotWithShape="1">
-          <a:blip r:embed="rId3" cstate="print"/>
-          <a:srcRect l="55118" t="5317" r="20865" b="-5317"/>
-          <a:stretch/>
-        </p:blipFill>
-        <p:spPr>
-          <a:xfrm>
-            <a:off x="5658341" y="1340768"/>
-            <a:ext cx="2472342" cy="1296144"/>
-          </a:xfrm>
-          <a:prstGeom prst="rect">
-            <a:avLst/>
-          </a:prstGeom>
-          <a:ln>
-            <a:noFill/>
-          </a:ln>
-        </p:spPr>
-      </p:pic>
-      <p:sp>
-        <p:nvSpPr>
-          <p:cNvPr id="3" name="Rectangle 2"/>
-          <p:cNvSpPr/>
-          <p:nvPr/>
-        </p:nvSpPr>
-        <p:spPr>
-          <a:xfrm>
-            <a:off x="4572000" y="476672"/>
-            <a:ext cx="4572000" cy="830997"/>
-          </a:xfrm>
-          <a:prstGeom prst="rect">
-            <a:avLst/>
-          </a:prstGeom>
-        </p:spPr>
-        <p:txBody>
-          <a:bodyPr>
-            <a:spAutoFit/>
-          </a:bodyPr>
-          <a:lstStyle/>
-          <a:p>
-            <a:pPr algn="ctr"/>
-            <a:r>
-              <a:rPr lang="ru-RU" sz="2400" dirty="0" smtClean="0">
-                <a:latin typeface="Times New Roman" panose="02020603050405020304" pitchFamily="18" charset="0"/>
-                <a:cs typeface="Times New Roman" panose="02020603050405020304" pitchFamily="18" charset="0"/>
-              </a:rPr>
-              <a:t>Корреляционной функция</a:t>
-            </a:r>
-          </a:p>
-          <a:p>
-            <a:pPr algn="ctr"/>
-            <a:r>
-              <a:rPr lang="ru-RU" sz="2400" dirty="0" smtClean="0">
-                <a:latin typeface="Times New Roman" panose="02020603050405020304" pitchFamily="18" charset="0"/>
-                <a:cs typeface="Times New Roman" panose="02020603050405020304" pitchFamily="18" charset="0"/>
-              </a:rPr>
-              <a:t> </a:t>
-            </a:r>
-            <a:r>
-              <a:rPr lang="ru-RU" sz="2400" dirty="0">
-                <a:latin typeface="Times New Roman" panose="02020603050405020304" pitchFamily="18" charset="0"/>
-                <a:cs typeface="Times New Roman" panose="02020603050405020304" pitchFamily="18" charset="0"/>
-              </a:rPr>
-              <a:t>гармонического процеса</a:t>
-            </a:r>
-            <a:endParaRPr lang="en-US" sz="2400" dirty="0">
-              <a:latin typeface="Times New Roman" panose="02020603050405020304" pitchFamily="18" charset="0"/>
-              <a:cs typeface="Times New Roman" panose="02020603050405020304" pitchFamily="18" charset="0"/>
-            </a:endParaRPr>
-          </a:p>
-        </p:txBody>
-      </p:sp>
       <p:sp>
         <p:nvSpPr>
           <p:cNvPr id="18" name="Номер слайда 3"/>
@@ -8195,8 +9238,8 @@
         </p:blipFill>
         <p:spPr>
           <a:xfrm>
-            <a:off x="179512" y="620688"/>
-            <a:ext cx="4351994" cy="4680520"/>
+            <a:off x="268296" y="404664"/>
+            <a:ext cx="4879768" cy="4879768"/>
           </a:xfrm>
           <a:prstGeom prst="rect">
             <a:avLst/>
@@ -8219,8 +9262,8 @@
         </p:blipFill>
         <p:spPr>
           <a:xfrm>
-            <a:off x="5908256" y="3731608"/>
-            <a:ext cx="2096634" cy="1704907"/>
+            <a:off x="6084168" y="3499478"/>
+            <a:ext cx="2304256" cy="1873738"/>
           </a:xfrm>
           <a:prstGeom prst="rect">
             <a:avLst/>
@@ -8230,30 +9273,6 @@
           </a:ln>
         </p:spPr>
       </p:pic>
-      <p:pic>
-        <p:nvPicPr>
-          <p:cNvPr id="7" name="Picture 2"/>
-          <p:cNvPicPr/>
-          <p:nvPr/>
-        </p:nvPicPr>
-        <p:blipFill rotWithShape="1">
-          <a:blip r:embed="rId4" cstate="print"/>
-          <a:srcRect l="54131" t="-769" r="17371" b="769"/>
-          <a:stretch/>
-        </p:blipFill>
-        <p:spPr>
-          <a:xfrm>
-            <a:off x="5735069" y="1278527"/>
-            <a:ext cx="2478034" cy="1214369"/>
-          </a:xfrm>
-          <a:prstGeom prst="rect">
-            <a:avLst/>
-          </a:prstGeom>
-          <a:ln>
-            <a:noFill/>
-          </a:ln>
-        </p:spPr>
-      </p:pic>
       <p:sp>
         <p:nvSpPr>
           <p:cNvPr id="2" name="Rectangle 1"/>
@@ -8262,15 +9281,15 @@
         </p:nvSpPr>
         <p:spPr>
           <a:xfrm>
-            <a:off x="69233" y="5382309"/>
-            <a:ext cx="4572000" cy="830997"/>
+            <a:off x="884195" y="5157192"/>
+            <a:ext cx="4253728" cy="830997"/>
           </a:xfrm>
           <a:prstGeom prst="rect">
             <a:avLst/>
           </a:prstGeom>
         </p:spPr>
         <p:txBody>
-          <a:bodyPr>
+          <a:bodyPr wrap="square">
             <a:spAutoFit/>
           </a:bodyPr>
           <a:lstStyle/>
@@ -8319,7 +9338,7 @@
         </p:nvSpPr>
         <p:spPr>
           <a:xfrm>
-            <a:off x="5297825" y="5353061"/>
+            <a:off x="5277812" y="5099700"/>
             <a:ext cx="3398644" cy="1569660"/>
           </a:xfrm>
           <a:prstGeom prst="rect">
@@ -8341,73 +9360,6 @@
               <a:t>Рисунок 6 ― График спектральной плотности гармонического процеса</a:t>
             </a:r>
             <a:endParaRPr lang="en-US" sz="2400" dirty="0" smtClean="0">
-              <a:latin typeface="Times New Roman" panose="02020603050405020304" pitchFamily="18" charset="0"/>
-              <a:cs typeface="Times New Roman" panose="02020603050405020304" pitchFamily="18" charset="0"/>
-            </a:endParaRPr>
-          </a:p>
-          <a:p>
-            <a:pPr algn="ctr"/>
-            <a:endParaRPr lang="en-US" sz="2400" dirty="0">
-              <a:latin typeface="Times New Roman" panose="02020603050405020304" pitchFamily="18" charset="0"/>
-              <a:cs typeface="Times New Roman" panose="02020603050405020304" pitchFamily="18" charset="0"/>
-            </a:endParaRPr>
-          </a:p>
-        </p:txBody>
-      </p:sp>
-      <p:sp>
-        <p:nvSpPr>
-          <p:cNvPr id="10" name="Rectangle 9"/>
-          <p:cNvSpPr/>
-          <p:nvPr/>
-        </p:nvSpPr>
-        <p:spPr>
-          <a:xfrm>
-            <a:off x="4572000" y="518435"/>
-            <a:ext cx="4572000" cy="1200329"/>
-          </a:xfrm>
-          <a:prstGeom prst="rect">
-            <a:avLst/>
-          </a:prstGeom>
-        </p:spPr>
-        <p:txBody>
-          <a:bodyPr>
-            <a:spAutoFit/>
-          </a:bodyPr>
-          <a:lstStyle/>
-          <a:p>
-            <a:pPr algn="ctr"/>
-            <a:r>
-              <a:rPr lang="ru-RU" sz="2400" dirty="0">
-                <a:latin typeface="Times New Roman" panose="02020603050405020304" pitchFamily="18" charset="0"/>
-                <a:cs typeface="Times New Roman" panose="02020603050405020304" pitchFamily="18" charset="0"/>
-              </a:rPr>
-              <a:t>С</a:t>
-            </a:r>
-            <a:r>
-              <a:rPr lang="ru-RU" sz="2400" dirty="0" smtClean="0">
-                <a:latin typeface="Times New Roman" panose="02020603050405020304" pitchFamily="18" charset="0"/>
-                <a:cs typeface="Times New Roman" panose="02020603050405020304" pitchFamily="18" charset="0"/>
-              </a:rPr>
-              <a:t>пектральная плотность </a:t>
-            </a:r>
-          </a:p>
-          <a:p>
-            <a:pPr algn="ctr"/>
-            <a:r>
-              <a:rPr lang="ru-RU" sz="2400" dirty="0" smtClean="0">
-                <a:latin typeface="Times New Roman" panose="02020603050405020304" pitchFamily="18" charset="0"/>
-                <a:cs typeface="Times New Roman" panose="02020603050405020304" pitchFamily="18" charset="0"/>
-              </a:rPr>
-              <a:t>гармонического </a:t>
-            </a:r>
-            <a:r>
-              <a:rPr lang="ru-RU" sz="2400" dirty="0">
-                <a:latin typeface="Times New Roman" panose="02020603050405020304" pitchFamily="18" charset="0"/>
-                <a:cs typeface="Times New Roman" panose="02020603050405020304" pitchFamily="18" charset="0"/>
-              </a:rPr>
-              <a:t>процеса</a:t>
-            </a:r>
-            <a:endParaRPr lang="en-US" sz="2400" dirty="0">
               <a:latin typeface="Times New Roman" panose="02020603050405020304" pitchFamily="18" charset="0"/>
               <a:cs typeface="Times New Roman" panose="02020603050405020304" pitchFamily="18" charset="0"/>
             </a:endParaRPr>
@@ -8533,7 +9485,7 @@
           <p:nvPr/>
         </p:nvPicPr>
         <p:blipFill rotWithShape="1">
-          <a:blip r:embed="rId2" cstate="print"/>
+          <a:blip r:embed="rId3" cstate="print"/>
           <a:srcRect l="717" t="14830" r="44834"/>
           <a:stretch/>
         </p:blipFill>
@@ -8775,7 +9727,7 @@
         </p:nvSpPr>
         <p:spPr>
           <a:xfrm>
-            <a:off x="180186" y="2492896"/>
+            <a:off x="180186" y="692696"/>
             <a:ext cx="8784976" cy="2677656"/>
           </a:xfrm>
           <a:prstGeom prst="rect">
@@ -8821,7 +9773,21 @@
                 <a:latin typeface="Times New Roman" panose="02020603050405020304" pitchFamily="18" charset="0"/>
                 <a:cs typeface="Times New Roman" panose="02020603050405020304" pitchFamily="18" charset="0"/>
               </a:rPr>
-              <a:t>С уровнем значимости 0.01 принимаем  гипотезу:</a:t>
+              <a:t>С уровнем значимости 0.01 </a:t>
+            </a:r>
+            <a:r>
+              <a:rPr lang="ru-RU" sz="2800" dirty="0" smtClean="0">
+                <a:latin typeface="Times New Roman" panose="02020603050405020304" pitchFamily="18" charset="0"/>
+                <a:cs typeface="Times New Roman" panose="02020603050405020304" pitchFamily="18" charset="0"/>
+              </a:rPr>
+              <a:t>приняли </a:t>
+            </a:r>
+            <a:r>
+              <a:rPr lang="ru-RU" sz="2800" dirty="0" smtClean="0">
+                <a:latin typeface="Times New Roman" panose="02020603050405020304" pitchFamily="18" charset="0"/>
+                <a:cs typeface="Times New Roman" panose="02020603050405020304" pitchFamily="18" charset="0"/>
+              </a:rPr>
+              <a:t>гипотезу:</a:t>
             </a:r>
             <a:br>
               <a:rPr lang="ru-RU" sz="2800" dirty="0" smtClean="0">
@@ -8868,7 +9834,7 @@
         </p:nvSpPr>
         <p:spPr>
           <a:xfrm>
-            <a:off x="1800366" y="548680"/>
+            <a:off x="1800366" y="3789040"/>
             <a:ext cx="5544616" cy="1384995"/>
           </a:xfrm>
           <a:prstGeom prst="rect">
@@ -9556,7 +10522,7 @@
                 <a:latin typeface="Times New Roman" panose="02020603050405020304" pitchFamily="18" charset="0"/>
                 <a:cs typeface="Times New Roman" panose="02020603050405020304" pitchFamily="18" charset="0"/>
               </a:rPr>
-              <a:t>MAD  = </a:t>
+              <a:t>MAD =</a:t>
             </a:r>
             <a:r>
               <a:rPr lang="ru-RU" sz="2400" spc="-1" dirty="0">
@@ -9571,10 +10537,10 @@
                 <a:latin typeface="Times New Roman" panose="02020603050405020304" pitchFamily="18" charset="0"/>
                 <a:cs typeface="Times New Roman" panose="02020603050405020304" pitchFamily="18" charset="0"/>
               </a:rPr>
-              <a:t>7.22</a:t>
-            </a:r>
-            <a:r>
-              <a:rPr lang="en-US" sz="2400" spc="-1" dirty="0" smtClean="0">
+              <a:t> 2.30</a:t>
+            </a:r>
+            <a:r>
+              <a:rPr lang="en-US" sz="2400" spc="-1" dirty="0">
                 <a:solidFill>
                   <a:srgbClr val="000000"/>
                 </a:solidFill>
@@ -9586,10 +10552,10 @@
                 <a:latin typeface="Times New Roman" panose="02020603050405020304" pitchFamily="18" charset="0"/>
                 <a:cs typeface="Times New Roman" panose="02020603050405020304" pitchFamily="18" charset="0"/>
               </a:rPr>
-              <a:t>,</a:t>
-            </a:r>
-            <a:r>
-              <a:rPr lang="ru-RU" sz="2400" spc="-1" dirty="0" smtClean="0">
+              <a:t>, </a:t>
+            </a:r>
+            <a:r>
+              <a:rPr lang="ru-RU" sz="2400" spc="-1" dirty="0">
                 <a:solidFill>
                   <a:srgbClr val="000000"/>
                 </a:solidFill>
@@ -9604,7 +10570,7 @@
               <a:t> </a:t>
             </a:r>
             <a:r>
-              <a:rPr lang="en-US" sz="2400" spc="-1" dirty="0" smtClean="0">
+              <a:rPr lang="en-US" sz="2400" spc="-1" dirty="0">
                 <a:solidFill>
                   <a:srgbClr val="000000"/>
                 </a:solidFill>
@@ -9616,10 +10582,10 @@
                 <a:latin typeface="Times New Roman" panose="02020603050405020304" pitchFamily="18" charset="0"/>
                 <a:cs typeface="Times New Roman" panose="02020603050405020304" pitchFamily="18" charset="0"/>
               </a:rPr>
-              <a:t> </a:t>
-            </a:r>
-            <a:r>
-              <a:rPr lang="en-US" sz="2400" spc="-1" dirty="0">
+              <a:t>MSE = </a:t>
+            </a:r>
+            <a:r>
+              <a:rPr lang="ru-RU" sz="2400" spc="-1" dirty="0">
                 <a:solidFill>
                   <a:srgbClr val="000000"/>
                 </a:solidFill>
@@ -9631,50 +10597,8 @@
                 <a:latin typeface="Times New Roman" panose="02020603050405020304" pitchFamily="18" charset="0"/>
                 <a:cs typeface="Times New Roman" panose="02020603050405020304" pitchFamily="18" charset="0"/>
               </a:rPr>
-              <a:t>MSE = </a:t>
-            </a:r>
-            <a:r>
-              <a:rPr lang="ru-RU" sz="2400" spc="-1" dirty="0">
-                <a:solidFill>
-                  <a:srgbClr val="000000"/>
-                </a:solidFill>
-                <a:uFill>
-                  <a:solidFill>
-                    <a:srgbClr val="FFFFFF"/>
-                  </a:solidFill>
-                </a:uFill>
-                <a:latin typeface="Times New Roman" panose="02020603050405020304" pitchFamily="18" charset="0"/>
-                <a:cs typeface="Times New Roman" panose="02020603050405020304" pitchFamily="18" charset="0"/>
-              </a:rPr>
-              <a:t>2.30</a:t>
-            </a:r>
-            <a:r>
-              <a:rPr lang="en-US" sz="2400" spc="-1" dirty="0">
-                <a:solidFill>
-                  <a:srgbClr val="000000"/>
-                </a:solidFill>
-                <a:uFill>
-                  <a:solidFill>
-                    <a:srgbClr val="FFFFFF"/>
-                  </a:solidFill>
-                </a:uFill>
-                <a:latin typeface="Times New Roman" panose="02020603050405020304" pitchFamily="18" charset="0"/>
-                <a:cs typeface="Times New Roman" panose="02020603050405020304" pitchFamily="18" charset="0"/>
-              </a:rPr>
-              <a:t> </a:t>
-            </a:r>
-            <a:endParaRPr lang="ru-RU" sz="2400" spc="-1" dirty="0">
-              <a:solidFill>
-                <a:srgbClr val="000000"/>
-              </a:solidFill>
-              <a:uFill>
-                <a:solidFill>
-                  <a:srgbClr val="FFFFFF"/>
-                </a:solidFill>
-              </a:uFill>
-              <a:latin typeface="Times New Roman" panose="02020603050405020304" pitchFamily="18" charset="0"/>
-              <a:cs typeface="Times New Roman" panose="02020603050405020304" pitchFamily="18" charset="0"/>
-            </a:endParaRPr>
+              <a:t>7.22</a:t>
+            </a:r>
           </a:p>
         </p:txBody>
       </p:sp>
@@ -9709,7 +10633,29 @@
                 <a:ea typeface="Times New Roman" panose="02020603050405020304" pitchFamily="18" charset="0"/>
                 <a:cs typeface="Times New Roman" panose="02020603050405020304" pitchFamily="18" charset="0"/>
               </a:rPr>
-              <a:t>Рисунок  8 ― График исходной выборки, полученной модели тренда и случайной </a:t>
+              <a:t>Рисунок  8 ― График исходной выборки</a:t>
+            </a:r>
+            <a:r>
+              <a:rPr lang="ru-RU" sz="2400" dirty="0" smtClean="0">
+                <a:solidFill>
+                  <a:srgbClr val="000000"/>
+                </a:solidFill>
+                <a:latin typeface="Times New Roman" panose="02020603050405020304" pitchFamily="18" charset="0"/>
+                <a:ea typeface="Times New Roman" panose="02020603050405020304" pitchFamily="18" charset="0"/>
+                <a:cs typeface="Times New Roman" panose="02020603050405020304" pitchFamily="18" charset="0"/>
+              </a:rPr>
+              <a:t>, </a:t>
+            </a:r>
+            <a:r>
+              <a:rPr lang="ru-RU" sz="2400" dirty="0">
+                <a:solidFill>
+                  <a:srgbClr val="000000"/>
+                </a:solidFill>
+                <a:latin typeface="Times New Roman" panose="02020603050405020304" pitchFamily="18" charset="0"/>
+                <a:ea typeface="Times New Roman" panose="02020603050405020304" pitchFamily="18" charset="0"/>
+                <a:cs typeface="Times New Roman" panose="02020603050405020304" pitchFamily="18" charset="0"/>
+              </a:rPr>
+              <a:t>тренда и случайной </a:t>
             </a:r>
             <a:r>
               <a:rPr lang="ru-RU" sz="2400" dirty="0" smtClean="0">
@@ -10071,7 +11017,21 @@
                 <a:latin typeface="Times New Roman" panose="02020603050405020304" pitchFamily="18" charset="0"/>
                 <a:cs typeface="Times New Roman" panose="02020603050405020304" pitchFamily="18" charset="0"/>
               </a:rPr>
-              <a:t>Рисунок  9 ― График исходной выборки и построенной модели на последний год.</a:t>
+              <a:t>Рисунок  9 ― График исходной выборки и </a:t>
+            </a:r>
+            <a:r>
+              <a:rPr lang="ru-RU" sz="2400" dirty="0" smtClean="0">
+                <a:latin typeface="Times New Roman" panose="02020603050405020304" pitchFamily="18" charset="0"/>
+                <a:cs typeface="Times New Roman" panose="02020603050405020304" pitchFamily="18" charset="0"/>
+              </a:rPr>
+              <a:t>тренда доваерительного интервала на </a:t>
+            </a:r>
+            <a:r>
+              <a:rPr lang="ru-RU" sz="2400" dirty="0">
+                <a:latin typeface="Times New Roman" panose="02020603050405020304" pitchFamily="18" charset="0"/>
+                <a:cs typeface="Times New Roman" panose="02020603050405020304" pitchFamily="18" charset="0"/>
+              </a:rPr>
+              <a:t>последний год.</a:t>
             </a:r>
           </a:p>
         </p:txBody>
